--- a/Français/2.Preparing data/6.Normal forms.pptx
+++ b/Français/2.Preparing data/6.Normal forms.pptx
@@ -5,20 +5,25 @@
     <p:sldMasterId id="2147483648" r:id="rId1"/>
   </p:sldMasterIdLst>
   <p:notesMasterIdLst>
-    <p:notesMasterId r:id="rId13"/>
+    <p:notesMasterId r:id="rId18"/>
   </p:notesMasterIdLst>
   <p:sldIdLst>
     <p:sldId id="256" r:id="rId2"/>
     <p:sldId id="257" r:id="rId3"/>
     <p:sldId id="259" r:id="rId4"/>
-    <p:sldId id="260" r:id="rId5"/>
-    <p:sldId id="261" r:id="rId6"/>
-    <p:sldId id="262" r:id="rId7"/>
-    <p:sldId id="263" r:id="rId8"/>
-    <p:sldId id="264" r:id="rId9"/>
-    <p:sldId id="265" r:id="rId10"/>
-    <p:sldId id="266" r:id="rId11"/>
-    <p:sldId id="258" r:id="rId12"/>
+    <p:sldId id="267" r:id="rId5"/>
+    <p:sldId id="260" r:id="rId6"/>
+    <p:sldId id="261" r:id="rId7"/>
+    <p:sldId id="268" r:id="rId8"/>
+    <p:sldId id="269" r:id="rId9"/>
+    <p:sldId id="270" r:id="rId10"/>
+    <p:sldId id="271" r:id="rId11"/>
+    <p:sldId id="272" r:id="rId12"/>
+    <p:sldId id="273" r:id="rId13"/>
+    <p:sldId id="274" r:id="rId14"/>
+    <p:sldId id="275" r:id="rId15"/>
+    <p:sldId id="266" r:id="rId16"/>
+    <p:sldId id="258" r:id="rId17"/>
   </p:sldIdLst>
   <p:sldSz cx="12192000" cy="6858000"/>
   <p:notesSz cx="6858000" cy="9144000"/>
@@ -207,7 +212,7 @@
           <a:p>
             <a:fld id="{056BA3B8-9F76-4D81-B71D-76CB85363062}" type="datetimeFigureOut">
               <a:rPr lang="en-US" smtClean="0"/>
-              <a:t>2/25/2025</a:t>
+              <a:t>3/4/2025</a:t>
             </a:fld>
             <a:endParaRPr lang="en-US"/>
           </a:p>
@@ -475,6 +480,90 @@
 </p:notesMaster>
 </file>
 
+<file path=ppt/notesSlides/notesSlide1.xml><?xml version="1.0" encoding="utf-8"?>
+<p:notes xmlns:a="http://schemas.openxmlformats.org/drawingml/2006/main" xmlns:r="http://schemas.openxmlformats.org/officeDocument/2006/relationships" xmlns:p="http://schemas.openxmlformats.org/presentationml/2006/main">
+  <p:cSld>
+    <p:spTree>
+      <p:nvGrpSpPr>
+        <p:cNvPr id="1" name=""/>
+        <p:cNvGrpSpPr/>
+        <p:nvPr/>
+      </p:nvGrpSpPr>
+      <p:grpSpPr>
+        <a:xfrm>
+          <a:off x="0" y="0"/>
+          <a:ext cx="0" cy="0"/>
+          <a:chOff x="0" y="0"/>
+          <a:chExt cx="0" cy="0"/>
+        </a:xfrm>
+      </p:grpSpPr>
+      <p:sp>
+        <p:nvSpPr>
+          <p:cNvPr id="2" name="Slide Image Placeholder 1"/>
+          <p:cNvSpPr>
+            <a:spLocks noGrp="1" noRot="1" noChangeAspect="1"/>
+          </p:cNvSpPr>
+          <p:nvPr>
+            <p:ph type="sldImg"/>
+          </p:nvPr>
+        </p:nvSpPr>
+        <p:spPr/>
+      </p:sp>
+      <p:sp>
+        <p:nvSpPr>
+          <p:cNvPr id="3" name="Notes Placeholder 2"/>
+          <p:cNvSpPr>
+            <a:spLocks noGrp="1"/>
+          </p:cNvSpPr>
+          <p:nvPr>
+            <p:ph type="body" idx="1"/>
+          </p:nvPr>
+        </p:nvSpPr>
+        <p:spPr/>
+        <p:txBody>
+          <a:bodyPr/>
+          <a:lstStyle/>
+          <a:p>
+            <a:endParaRPr lang="en-US" dirty="0"/>
+          </a:p>
+        </p:txBody>
+      </p:sp>
+      <p:sp>
+        <p:nvSpPr>
+          <p:cNvPr id="4" name="Slide Number Placeholder 3"/>
+          <p:cNvSpPr>
+            <a:spLocks noGrp="1"/>
+          </p:cNvSpPr>
+          <p:nvPr>
+            <p:ph type="sldNum" sz="quarter" idx="10"/>
+          </p:nvPr>
+        </p:nvSpPr>
+        <p:spPr/>
+        <p:txBody>
+          <a:bodyPr/>
+          <a:lstStyle/>
+          <a:p>
+            <a:fld id="{C583D03D-12F8-4E91-BBC2-CE3A863157FF}" type="slidenum">
+              <a:rPr lang="en-US" smtClean="0"/>
+              <a:t>11</a:t>
+            </a:fld>
+            <a:endParaRPr lang="en-US"/>
+          </a:p>
+        </p:txBody>
+      </p:sp>
+    </p:spTree>
+    <p:extLst>
+      <p:ext uri="{BB962C8B-B14F-4D97-AF65-F5344CB8AC3E}">
+        <p14:creationId xmlns:p14="http://schemas.microsoft.com/office/powerpoint/2010/main" val="2298943619"/>
+      </p:ext>
+    </p:extLst>
+  </p:cSld>
+  <p:clrMapOvr>
+    <a:masterClrMapping/>
+  </p:clrMapOvr>
+</p:notes>
+</file>
+
 <file path=ppt/slideLayouts/slideLayout1.xml><?xml version="1.0" encoding="utf-8"?>
 <p:sldLayout xmlns:a="http://schemas.openxmlformats.org/drawingml/2006/main" xmlns:r="http://schemas.openxmlformats.org/officeDocument/2006/relationships" xmlns:p="http://schemas.openxmlformats.org/presentationml/2006/main" type="title" preserve="1">
   <p:cSld name="Title Slide">
@@ -606,7 +695,7 @@
           <a:p>
             <a:fld id="{6F01DA4D-20EA-48D2-973C-0311EC3005D6}" type="datetimeFigureOut">
               <a:rPr lang="en-US" smtClean="0"/>
-              <a:t>2/25/2025</a:t>
+              <a:t>3/4/2025</a:t>
             </a:fld>
             <a:endParaRPr lang="en-US"/>
           </a:p>
@@ -776,7 +865,7 @@
           <a:p>
             <a:fld id="{6F01DA4D-20EA-48D2-973C-0311EC3005D6}" type="datetimeFigureOut">
               <a:rPr lang="en-US" smtClean="0"/>
-              <a:t>2/25/2025</a:t>
+              <a:t>3/4/2025</a:t>
             </a:fld>
             <a:endParaRPr lang="en-US"/>
           </a:p>
@@ -956,7 +1045,7 @@
           <a:p>
             <a:fld id="{6F01DA4D-20EA-48D2-973C-0311EC3005D6}" type="datetimeFigureOut">
               <a:rPr lang="en-US" smtClean="0"/>
-              <a:t>2/25/2025</a:t>
+              <a:t>3/4/2025</a:t>
             </a:fld>
             <a:endParaRPr lang="en-US"/>
           </a:p>
@@ -1126,7 +1215,7 @@
           <a:p>
             <a:fld id="{6F01DA4D-20EA-48D2-973C-0311EC3005D6}" type="datetimeFigureOut">
               <a:rPr lang="en-US" smtClean="0"/>
-              <a:t>2/25/2025</a:t>
+              <a:t>3/4/2025</a:t>
             </a:fld>
             <a:endParaRPr lang="en-US"/>
           </a:p>
@@ -1372,7 +1461,7 @@
           <a:p>
             <a:fld id="{6F01DA4D-20EA-48D2-973C-0311EC3005D6}" type="datetimeFigureOut">
               <a:rPr lang="en-US" smtClean="0"/>
-              <a:t>2/25/2025</a:t>
+              <a:t>3/4/2025</a:t>
             </a:fld>
             <a:endParaRPr lang="en-US"/>
           </a:p>
@@ -1604,7 +1693,7 @@
           <a:p>
             <a:fld id="{6F01DA4D-20EA-48D2-973C-0311EC3005D6}" type="datetimeFigureOut">
               <a:rPr lang="en-US" smtClean="0"/>
-              <a:t>2/25/2025</a:t>
+              <a:t>3/4/2025</a:t>
             </a:fld>
             <a:endParaRPr lang="en-US"/>
           </a:p>
@@ -1971,7 +2060,7 @@
           <a:p>
             <a:fld id="{6F01DA4D-20EA-48D2-973C-0311EC3005D6}" type="datetimeFigureOut">
               <a:rPr lang="en-US" smtClean="0"/>
-              <a:t>2/25/2025</a:t>
+              <a:t>3/4/2025</a:t>
             </a:fld>
             <a:endParaRPr lang="en-US"/>
           </a:p>
@@ -2089,7 +2178,7 @@
           <a:p>
             <a:fld id="{6F01DA4D-20EA-48D2-973C-0311EC3005D6}" type="datetimeFigureOut">
               <a:rPr lang="en-US" smtClean="0"/>
-              <a:t>2/25/2025</a:t>
+              <a:t>3/4/2025</a:t>
             </a:fld>
             <a:endParaRPr lang="en-US"/>
           </a:p>
@@ -2184,7 +2273,7 @@
           <a:p>
             <a:fld id="{6F01DA4D-20EA-48D2-973C-0311EC3005D6}" type="datetimeFigureOut">
               <a:rPr lang="en-US" smtClean="0"/>
-              <a:t>2/25/2025</a:t>
+              <a:t>3/4/2025</a:t>
             </a:fld>
             <a:endParaRPr lang="en-US"/>
           </a:p>
@@ -2461,7 +2550,7 @@
           <a:p>
             <a:fld id="{6F01DA4D-20EA-48D2-973C-0311EC3005D6}" type="datetimeFigureOut">
               <a:rPr lang="en-US" smtClean="0"/>
-              <a:t>2/25/2025</a:t>
+              <a:t>3/4/2025</a:t>
             </a:fld>
             <a:endParaRPr lang="en-US"/>
           </a:p>
@@ -2714,7 +2803,7 @@
           <a:p>
             <a:fld id="{6F01DA4D-20EA-48D2-973C-0311EC3005D6}" type="datetimeFigureOut">
               <a:rPr lang="en-US" smtClean="0"/>
-              <a:t>2/25/2025</a:t>
+              <a:t>3/4/2025</a:t>
             </a:fld>
             <a:endParaRPr lang="en-US"/>
           </a:p>
@@ -2927,7 +3016,7 @@
           <a:p>
             <a:fld id="{6F01DA4D-20EA-48D2-973C-0311EC3005D6}" type="datetimeFigureOut">
               <a:rPr lang="en-US" smtClean="0"/>
-              <a:t>2/25/2025</a:t>
+              <a:t>3/4/2025</a:t>
             </a:fld>
             <a:endParaRPr lang="en-US"/>
           </a:p>
@@ -3393,18 +3482,7 @@
                 <a:ea typeface="Verdana" panose="020B0604030504040204" pitchFamily="34" charset="0"/>
                 <a:cs typeface="Segoe UI" panose="020B0502040204020203" pitchFamily="34" charset="0"/>
               </a:rPr>
-              <a:t>n</a:t>
-            </a:r>
-            <a:r>
-              <a:rPr lang="en-US" sz="8000" b="1" dirty="0" err="1" smtClean="0">
-                <a:solidFill>
-                  <a:srgbClr val="7030A0"/>
-                </a:solidFill>
-                <a:latin typeface="Segoe UI" panose="020B0502040204020203" pitchFamily="34" charset="0"/>
-                <a:ea typeface="Verdana" panose="020B0604030504040204" pitchFamily="34" charset="0"/>
-                <a:cs typeface="Segoe UI" panose="020B0502040204020203" pitchFamily="34" charset="0"/>
-              </a:rPr>
-              <a:t>ormales</a:t>
+              <a:t>normales</a:t>
             </a:r>
             <a:endParaRPr lang="en-US" sz="8000" b="1" dirty="0">
               <a:solidFill>
@@ -3470,18 +3548,7 @@
                 <a:ea typeface="Verdana" panose="020B0604030504040204" pitchFamily="34" charset="0"/>
                 <a:cs typeface="Segoe UI" panose="020B0502040204020203" pitchFamily="34" charset="0"/>
               </a:rPr>
-              <a:t>n</a:t>
-            </a:r>
-            <a:r>
-              <a:rPr lang="en-US" sz="8000" b="1" dirty="0" err="1" smtClean="0">
-                <a:solidFill>
-                  <a:schemeClr val="bg1"/>
-                </a:solidFill>
-                <a:latin typeface="Segoe UI" panose="020B0502040204020203" pitchFamily="34" charset="0"/>
-                <a:ea typeface="Verdana" panose="020B0604030504040204" pitchFamily="34" charset="0"/>
-                <a:cs typeface="Segoe UI" panose="020B0502040204020203" pitchFamily="34" charset="0"/>
-              </a:rPr>
-              <a:t>ormales</a:t>
+              <a:t>normales</a:t>
             </a:r>
             <a:endParaRPr lang="en-US" sz="8000" b="1" dirty="0">
               <a:solidFill>
@@ -3524,9 +3591,1459 @@
           <a:chExt cx="0" cy="0"/>
         </a:xfrm>
       </p:grpSpPr>
+      <p:sp>
+        <p:nvSpPr>
+          <p:cNvPr id="4" name="TextBox 3"/>
+          <p:cNvSpPr txBox="1"/>
+          <p:nvPr/>
+        </p:nvSpPr>
+        <p:spPr>
+          <a:xfrm flipH="1">
+            <a:off x="220005" y="281882"/>
+            <a:ext cx="2798202" cy="400110"/>
+          </a:xfrm>
+          <a:prstGeom prst="rect">
+            <a:avLst/>
+          </a:prstGeom>
+          <a:noFill/>
+        </p:spPr>
+        <p:txBody>
+          <a:bodyPr wrap="square" rtlCol="0">
+            <a:spAutoFit/>
+          </a:bodyPr>
+          <a:lstStyle/>
+          <a:p>
+            <a:r>
+              <a:rPr lang="fr-FR" sz="2000" b="1" dirty="0" smtClean="0">
+                <a:latin typeface="Segoe UI" panose="020B0502040204020203" pitchFamily="34" charset="0"/>
+                <a:cs typeface="Segoe UI" panose="020B0502040204020203" pitchFamily="34" charset="0"/>
+              </a:rPr>
+              <a:t>Les formes normales</a:t>
+            </a:r>
+            <a:endParaRPr lang="en-US" sz="2000" b="1" dirty="0">
+              <a:latin typeface="Segoe UI" panose="020B0502040204020203" pitchFamily="34" charset="0"/>
+              <a:cs typeface="Segoe UI" panose="020B0502040204020203" pitchFamily="34" charset="0"/>
+            </a:endParaRPr>
+          </a:p>
+        </p:txBody>
+      </p:sp>
+      <p:sp>
+        <p:nvSpPr>
+          <p:cNvPr id="5" name="Rectangle 1"/>
+          <p:cNvSpPr>
+            <a:spLocks noChangeArrowheads="1"/>
+          </p:cNvSpPr>
+          <p:nvPr/>
+        </p:nvSpPr>
+        <p:spPr bwMode="auto">
+          <a:xfrm>
+            <a:off x="302508" y="748468"/>
+            <a:ext cx="10347158" cy="400110"/>
+          </a:xfrm>
+          <a:prstGeom prst="rect">
+            <a:avLst/>
+          </a:prstGeom>
+          <a:noFill/>
+          <a:ln>
+            <a:noFill/>
+          </a:ln>
+          <a:effectLst/>
+          <a:extLst>
+            <a:ext uri="{909E8E84-426E-40DD-AFC4-6F175D3DCCD1}">
+              <a14:hiddenFill xmlns:a14="http://schemas.microsoft.com/office/drawing/2010/main">
+                <a:solidFill>
+                  <a:schemeClr val="accent1"/>
+                </a:solidFill>
+              </a14:hiddenFill>
+            </a:ext>
+            <a:ext uri="{91240B29-F687-4F45-9708-019B960494DF}">
+              <a14:hiddenLine xmlns:a14="http://schemas.microsoft.com/office/drawing/2010/main" w="9525">
+                <a:solidFill>
+                  <a:schemeClr val="tx1"/>
+                </a:solidFill>
+                <a:miter lim="800000"/>
+                <a:headEnd/>
+                <a:tailEnd/>
+              </a14:hiddenLine>
+            </a:ext>
+            <a:ext uri="{AF507438-7753-43E0-B8FC-AC1667EBCBE1}">
+              <a14:hiddenEffects xmlns:a14="http://schemas.microsoft.com/office/drawing/2010/main">
+                <a:effectLst>
+                  <a:outerShdw dist="35921" dir="2700000" algn="ctr" rotWithShape="0">
+                    <a:schemeClr val="bg2"/>
+                  </a:outerShdw>
+                </a:effectLst>
+              </a14:hiddenEffects>
+            </a:ext>
+          </a:extLst>
+        </p:spPr>
+        <p:txBody>
+          <a:bodyPr vert="horz" wrap="square" lIns="91440" tIns="45720" rIns="91440" bIns="45720" numCol="1" anchor="ctr" anchorCtr="0" compatLnSpc="1">
+            <a:prstTxWarp prst="textNoShape">
+              <a:avLst/>
+            </a:prstTxWarp>
+            <a:spAutoFit/>
+          </a:bodyPr>
+          <a:lstStyle/>
+          <a:p>
+            <a:pPr marR="0" lvl="0" indent="14288" algn="l" defTabSz="914400" rtl="0" eaLnBrk="0" fontAlgn="base" latinLnBrk="0" hangingPunct="0">
+              <a:lnSpc>
+                <a:spcPct val="100000"/>
+              </a:lnSpc>
+              <a:spcBef>
+                <a:spcPct val="0"/>
+              </a:spcBef>
+              <a:spcAft>
+                <a:spcPct val="0"/>
+              </a:spcAft>
+              <a:buClrTx/>
+              <a:buSzTx/>
+              <a:buFont typeface="Arial" panose="020B0604020202020204" pitchFamily="34" charset="0"/>
+              <a:buChar char="•"/>
+              <a:tabLst/>
+            </a:pPr>
+            <a:r>
+              <a:rPr lang="fr-FR" altLang="en-US" sz="2000" dirty="0" smtClean="0">
+                <a:latin typeface="Arial" panose="020B0604020202020204" pitchFamily="34" charset="0"/>
+              </a:rPr>
+              <a:t>Dupliquez à nouveau la table </a:t>
+            </a:r>
+            <a:r>
+              <a:rPr lang="fr-FR" altLang="en-US" sz="2000" b="1" dirty="0" smtClean="0">
+                <a:latin typeface="Arial" panose="020B0604020202020204" pitchFamily="34" charset="0"/>
+              </a:rPr>
+              <a:t>1NF</a:t>
+            </a:r>
+            <a:r>
+              <a:rPr lang="fr-FR" altLang="en-US" sz="2000" dirty="0" smtClean="0">
+                <a:latin typeface="Arial" panose="020B0604020202020204" pitchFamily="34" charset="0"/>
+              </a:rPr>
+              <a:t> et appelez la </a:t>
+            </a:r>
+            <a:r>
+              <a:rPr lang="fr-FR" altLang="en-US" sz="2000" b="1" dirty="0" err="1" smtClean="0">
+                <a:latin typeface="Arial" panose="020B0604020202020204" pitchFamily="34" charset="0"/>
+              </a:rPr>
+              <a:t>Customers</a:t>
+            </a:r>
+            <a:endParaRPr lang="fr-FR" altLang="en-US" sz="2000" b="1" dirty="0" smtClean="0">
+              <a:latin typeface="Arial" panose="020B0604020202020204" pitchFamily="34" charset="0"/>
+            </a:endParaRPr>
+          </a:p>
+        </p:txBody>
+      </p:sp>
+      <p:sp>
+        <p:nvSpPr>
+          <p:cNvPr id="14" name="Rectangle 1"/>
+          <p:cNvSpPr>
+            <a:spLocks noChangeArrowheads="1"/>
+          </p:cNvSpPr>
+          <p:nvPr/>
+        </p:nvSpPr>
+        <p:spPr bwMode="auto">
+          <a:xfrm>
+            <a:off x="302508" y="1265854"/>
+            <a:ext cx="10347158" cy="400110"/>
+          </a:xfrm>
+          <a:prstGeom prst="rect">
+            <a:avLst/>
+          </a:prstGeom>
+          <a:noFill/>
+          <a:ln>
+            <a:noFill/>
+          </a:ln>
+          <a:effectLst/>
+          <a:extLst>
+            <a:ext uri="{909E8E84-426E-40DD-AFC4-6F175D3DCCD1}">
+              <a14:hiddenFill xmlns:a14="http://schemas.microsoft.com/office/drawing/2010/main">
+                <a:solidFill>
+                  <a:schemeClr val="accent1"/>
+                </a:solidFill>
+              </a14:hiddenFill>
+            </a:ext>
+            <a:ext uri="{91240B29-F687-4F45-9708-019B960494DF}">
+              <a14:hiddenLine xmlns:a14="http://schemas.microsoft.com/office/drawing/2010/main" w="9525">
+                <a:solidFill>
+                  <a:schemeClr val="tx1"/>
+                </a:solidFill>
+                <a:miter lim="800000"/>
+                <a:headEnd/>
+                <a:tailEnd/>
+              </a14:hiddenLine>
+            </a:ext>
+            <a:ext uri="{AF507438-7753-43E0-B8FC-AC1667EBCBE1}">
+              <a14:hiddenEffects xmlns:a14="http://schemas.microsoft.com/office/drawing/2010/main">
+                <a:effectLst>
+                  <a:outerShdw dist="35921" dir="2700000" algn="ctr" rotWithShape="0">
+                    <a:schemeClr val="bg2"/>
+                  </a:outerShdw>
+                </a:effectLst>
+              </a14:hiddenEffects>
+            </a:ext>
+          </a:extLst>
+        </p:spPr>
+        <p:txBody>
+          <a:bodyPr vert="horz" wrap="square" lIns="91440" tIns="45720" rIns="91440" bIns="45720" numCol="1" anchor="ctr" anchorCtr="0" compatLnSpc="1">
+            <a:prstTxWarp prst="textNoShape">
+              <a:avLst/>
+            </a:prstTxWarp>
+            <a:spAutoFit/>
+          </a:bodyPr>
+          <a:lstStyle/>
+          <a:p>
+            <a:pPr marR="0" lvl="0" indent="14288" algn="l" defTabSz="914400" rtl="0" eaLnBrk="0" fontAlgn="base" latinLnBrk="0" hangingPunct="0">
+              <a:lnSpc>
+                <a:spcPct val="100000"/>
+              </a:lnSpc>
+              <a:spcBef>
+                <a:spcPct val="0"/>
+              </a:spcBef>
+              <a:spcAft>
+                <a:spcPct val="0"/>
+              </a:spcAft>
+              <a:buClrTx/>
+              <a:buSzTx/>
+              <a:buFont typeface="Arial" panose="020B0604020202020204" pitchFamily="34" charset="0"/>
+              <a:buChar char="•"/>
+              <a:tabLst/>
+            </a:pPr>
+            <a:r>
+              <a:rPr lang="fr-FR" altLang="en-US" sz="2000" dirty="0" smtClean="0">
+                <a:latin typeface="Arial" panose="020B0604020202020204" pitchFamily="34" charset="0"/>
+              </a:rPr>
+              <a:t>Eliminez toutes les colonnes sauf la colonne </a:t>
+            </a:r>
+            <a:r>
+              <a:rPr lang="fr-FR" altLang="en-US" sz="2000" b="1" dirty="0" err="1" smtClean="0">
+                <a:latin typeface="Arial" panose="020B0604020202020204" pitchFamily="34" charset="0"/>
+              </a:rPr>
+              <a:t>Customers</a:t>
+            </a:r>
+            <a:endParaRPr lang="fr-FR" altLang="en-US" sz="2000" b="1" dirty="0" smtClean="0">
+              <a:latin typeface="Arial" panose="020B0604020202020204" pitchFamily="34" charset="0"/>
+            </a:endParaRPr>
+          </a:p>
+        </p:txBody>
+      </p:sp>
+      <p:sp>
+        <p:nvSpPr>
+          <p:cNvPr id="17" name="Rectangle 1"/>
+          <p:cNvSpPr>
+            <a:spLocks noChangeArrowheads="1"/>
+          </p:cNvSpPr>
+          <p:nvPr/>
+        </p:nvSpPr>
+        <p:spPr bwMode="auto">
+          <a:xfrm>
+            <a:off x="302508" y="1783240"/>
+            <a:ext cx="10347158" cy="400110"/>
+          </a:xfrm>
+          <a:prstGeom prst="rect">
+            <a:avLst/>
+          </a:prstGeom>
+          <a:noFill/>
+          <a:ln>
+            <a:noFill/>
+          </a:ln>
+          <a:effectLst/>
+          <a:extLst>
+            <a:ext uri="{909E8E84-426E-40DD-AFC4-6F175D3DCCD1}">
+              <a14:hiddenFill xmlns:a14="http://schemas.microsoft.com/office/drawing/2010/main">
+                <a:solidFill>
+                  <a:schemeClr val="accent1"/>
+                </a:solidFill>
+              </a14:hiddenFill>
+            </a:ext>
+            <a:ext uri="{91240B29-F687-4F45-9708-019B960494DF}">
+              <a14:hiddenLine xmlns:a14="http://schemas.microsoft.com/office/drawing/2010/main" w="9525">
+                <a:solidFill>
+                  <a:schemeClr val="tx1"/>
+                </a:solidFill>
+                <a:miter lim="800000"/>
+                <a:headEnd/>
+                <a:tailEnd/>
+              </a14:hiddenLine>
+            </a:ext>
+            <a:ext uri="{AF507438-7753-43E0-B8FC-AC1667EBCBE1}">
+              <a14:hiddenEffects xmlns:a14="http://schemas.microsoft.com/office/drawing/2010/main">
+                <a:effectLst>
+                  <a:outerShdw dist="35921" dir="2700000" algn="ctr" rotWithShape="0">
+                    <a:schemeClr val="bg2"/>
+                  </a:outerShdw>
+                </a:effectLst>
+              </a14:hiddenEffects>
+            </a:ext>
+          </a:extLst>
+        </p:spPr>
+        <p:txBody>
+          <a:bodyPr vert="horz" wrap="square" lIns="91440" tIns="45720" rIns="91440" bIns="45720" numCol="1" anchor="ctr" anchorCtr="0" compatLnSpc="1">
+            <a:prstTxWarp prst="textNoShape">
+              <a:avLst/>
+            </a:prstTxWarp>
+            <a:spAutoFit/>
+          </a:bodyPr>
+          <a:lstStyle/>
+          <a:p>
+            <a:pPr marR="0" lvl="0" indent="14288" algn="l" defTabSz="914400" rtl="0" eaLnBrk="0" fontAlgn="base" latinLnBrk="0" hangingPunct="0">
+              <a:lnSpc>
+                <a:spcPct val="100000"/>
+              </a:lnSpc>
+              <a:spcBef>
+                <a:spcPct val="0"/>
+              </a:spcBef>
+              <a:spcAft>
+                <a:spcPct val="0"/>
+              </a:spcAft>
+              <a:buClrTx/>
+              <a:buSzTx/>
+              <a:buFont typeface="Arial" panose="020B0604020202020204" pitchFamily="34" charset="0"/>
+              <a:buChar char="•"/>
+              <a:tabLst/>
+            </a:pPr>
+            <a:r>
+              <a:rPr lang="fr-FR" altLang="en-US" sz="2000" dirty="0" smtClean="0">
+                <a:latin typeface="Arial" panose="020B0604020202020204" pitchFamily="34" charset="0"/>
+              </a:rPr>
+              <a:t>Eliminez les duplication au niveau de la colonne </a:t>
+            </a:r>
+            <a:r>
+              <a:rPr lang="fr-FR" altLang="en-US" sz="2000" b="1" dirty="0" err="1" smtClean="0">
+                <a:latin typeface="Arial" panose="020B0604020202020204" pitchFamily="34" charset="0"/>
+              </a:rPr>
+              <a:t>Customers</a:t>
+            </a:r>
+            <a:endParaRPr lang="fr-FR" altLang="en-US" sz="2000" b="1" dirty="0" smtClean="0">
+              <a:latin typeface="Arial" panose="020B0604020202020204" pitchFamily="34" charset="0"/>
+            </a:endParaRPr>
+          </a:p>
+        </p:txBody>
+      </p:sp>
       <p:pic>
         <p:nvPicPr>
-          <p:cNvPr id="5" name="Picture 4"/>
+          <p:cNvPr id="3" name="Picture 2"/>
+          <p:cNvPicPr>
+            <a:picLocks noChangeAspect="1"/>
+          </p:cNvPicPr>
+          <p:nvPr/>
+        </p:nvPicPr>
+        <p:blipFill>
+          <a:blip r:embed="rId2"/>
+          <a:stretch>
+            <a:fillRect/>
+          </a:stretch>
+        </p:blipFill>
+        <p:spPr>
+          <a:xfrm>
+            <a:off x="1798424" y="2447801"/>
+            <a:ext cx="3941976" cy="2284135"/>
+          </a:xfrm>
+          <a:prstGeom prst="rect">
+            <a:avLst/>
+          </a:prstGeom>
+        </p:spPr>
+      </p:pic>
+      <p:sp>
+        <p:nvSpPr>
+          <p:cNvPr id="18" name="Rectangle 17"/>
+          <p:cNvSpPr/>
+          <p:nvPr/>
+        </p:nvSpPr>
+        <p:spPr>
+          <a:xfrm>
+            <a:off x="3073399" y="4133849"/>
+            <a:ext cx="2609851" cy="260361"/>
+          </a:xfrm>
+          <a:prstGeom prst="rect">
+            <a:avLst/>
+          </a:prstGeom>
+          <a:solidFill>
+            <a:srgbClr val="FF0000">
+              <a:alpha val="12000"/>
+            </a:srgbClr>
+          </a:solidFill>
+          <a:ln>
+            <a:noFill/>
+          </a:ln>
+        </p:spPr>
+        <p:style>
+          <a:lnRef idx="2">
+            <a:schemeClr val="accent1">
+              <a:shade val="50000"/>
+            </a:schemeClr>
+          </a:lnRef>
+          <a:fillRef idx="1">
+            <a:schemeClr val="accent1"/>
+          </a:fillRef>
+          <a:effectRef idx="0">
+            <a:schemeClr val="accent1"/>
+          </a:effectRef>
+          <a:fontRef idx="minor">
+            <a:schemeClr val="lt1"/>
+          </a:fontRef>
+        </p:style>
+        <p:txBody>
+          <a:bodyPr rtlCol="0" anchor="ctr"/>
+          <a:lstStyle/>
+          <a:p>
+            <a:pPr algn="ctr"/>
+            <a:endParaRPr lang="en-US"/>
+          </a:p>
+        </p:txBody>
+      </p:sp>
+    </p:spTree>
+    <p:extLst>
+      <p:ext uri="{BB962C8B-B14F-4D97-AF65-F5344CB8AC3E}">
+        <p14:creationId xmlns:p14="http://schemas.microsoft.com/office/powerpoint/2010/main" val="492586609"/>
+      </p:ext>
+    </p:extLst>
+  </p:cSld>
+  <p:clrMapOvr>
+    <a:masterClrMapping/>
+  </p:clrMapOvr>
+</p:sld>
+</file>
+
+<file path=ppt/slides/slide11.xml><?xml version="1.0" encoding="utf-8"?>
+<p:sld xmlns:a="http://schemas.openxmlformats.org/drawingml/2006/main" xmlns:r="http://schemas.openxmlformats.org/officeDocument/2006/relationships" xmlns:p="http://schemas.openxmlformats.org/presentationml/2006/main">
+  <p:cSld>
+    <p:spTree>
+      <p:nvGrpSpPr>
+        <p:cNvPr id="1" name=""/>
+        <p:cNvGrpSpPr/>
+        <p:nvPr/>
+      </p:nvGrpSpPr>
+      <p:grpSpPr>
+        <a:xfrm>
+          <a:off x="0" y="0"/>
+          <a:ext cx="0" cy="0"/>
+          <a:chOff x="0" y="0"/>
+          <a:chExt cx="0" cy="0"/>
+        </a:xfrm>
+      </p:grpSpPr>
+      <p:sp>
+        <p:nvSpPr>
+          <p:cNvPr id="4" name="TextBox 3"/>
+          <p:cNvSpPr txBox="1"/>
+          <p:nvPr/>
+        </p:nvSpPr>
+        <p:spPr>
+          <a:xfrm flipH="1">
+            <a:off x="220005" y="281882"/>
+            <a:ext cx="2798202" cy="400110"/>
+          </a:xfrm>
+          <a:prstGeom prst="rect">
+            <a:avLst/>
+          </a:prstGeom>
+          <a:noFill/>
+        </p:spPr>
+        <p:txBody>
+          <a:bodyPr wrap="square" rtlCol="0">
+            <a:spAutoFit/>
+          </a:bodyPr>
+          <a:lstStyle/>
+          <a:p>
+            <a:r>
+              <a:rPr lang="fr-FR" sz="2000" b="1" dirty="0" smtClean="0">
+                <a:latin typeface="Segoe UI" panose="020B0502040204020203" pitchFamily="34" charset="0"/>
+                <a:cs typeface="Segoe UI" panose="020B0502040204020203" pitchFamily="34" charset="0"/>
+              </a:rPr>
+              <a:t>Les formes normales</a:t>
+            </a:r>
+            <a:endParaRPr lang="en-US" sz="2000" b="1" dirty="0">
+              <a:latin typeface="Segoe UI" panose="020B0502040204020203" pitchFamily="34" charset="0"/>
+              <a:cs typeface="Segoe UI" panose="020B0502040204020203" pitchFamily="34" charset="0"/>
+            </a:endParaRPr>
+          </a:p>
+        </p:txBody>
+      </p:sp>
+      <p:sp>
+        <p:nvSpPr>
+          <p:cNvPr id="5" name="Rectangle 1"/>
+          <p:cNvSpPr>
+            <a:spLocks noChangeArrowheads="1"/>
+          </p:cNvSpPr>
+          <p:nvPr/>
+        </p:nvSpPr>
+        <p:spPr bwMode="auto">
+          <a:xfrm>
+            <a:off x="302508" y="748468"/>
+            <a:ext cx="10347158" cy="400110"/>
+          </a:xfrm>
+          <a:prstGeom prst="rect">
+            <a:avLst/>
+          </a:prstGeom>
+          <a:noFill/>
+          <a:ln>
+            <a:noFill/>
+          </a:ln>
+          <a:effectLst/>
+          <a:extLst>
+            <a:ext uri="{909E8E84-426E-40DD-AFC4-6F175D3DCCD1}">
+              <a14:hiddenFill xmlns:a14="http://schemas.microsoft.com/office/drawing/2010/main">
+                <a:solidFill>
+                  <a:schemeClr val="accent1"/>
+                </a:solidFill>
+              </a14:hiddenFill>
+            </a:ext>
+            <a:ext uri="{91240B29-F687-4F45-9708-019B960494DF}">
+              <a14:hiddenLine xmlns:a14="http://schemas.microsoft.com/office/drawing/2010/main" w="9525">
+                <a:solidFill>
+                  <a:schemeClr val="tx1"/>
+                </a:solidFill>
+                <a:miter lim="800000"/>
+                <a:headEnd/>
+                <a:tailEnd/>
+              </a14:hiddenLine>
+            </a:ext>
+            <a:ext uri="{AF507438-7753-43E0-B8FC-AC1667EBCBE1}">
+              <a14:hiddenEffects xmlns:a14="http://schemas.microsoft.com/office/drawing/2010/main">
+                <a:effectLst>
+                  <a:outerShdw dist="35921" dir="2700000" algn="ctr" rotWithShape="0">
+                    <a:schemeClr val="bg2"/>
+                  </a:outerShdw>
+                </a:effectLst>
+              </a14:hiddenEffects>
+            </a:ext>
+          </a:extLst>
+        </p:spPr>
+        <p:txBody>
+          <a:bodyPr vert="horz" wrap="square" lIns="91440" tIns="45720" rIns="91440" bIns="45720" numCol="1" anchor="ctr" anchorCtr="0" compatLnSpc="1">
+            <a:prstTxWarp prst="textNoShape">
+              <a:avLst/>
+            </a:prstTxWarp>
+            <a:spAutoFit/>
+          </a:bodyPr>
+          <a:lstStyle/>
+          <a:p>
+            <a:pPr marR="0" lvl="0" indent="14288" algn="l" defTabSz="914400" rtl="0" eaLnBrk="0" fontAlgn="base" latinLnBrk="0" hangingPunct="0">
+              <a:lnSpc>
+                <a:spcPct val="100000"/>
+              </a:lnSpc>
+              <a:spcBef>
+                <a:spcPct val="0"/>
+              </a:spcBef>
+              <a:spcAft>
+                <a:spcPct val="0"/>
+              </a:spcAft>
+              <a:buClrTx/>
+              <a:buSzTx/>
+              <a:buFont typeface="Arial" panose="020B0604020202020204" pitchFamily="34" charset="0"/>
+              <a:buChar char="•"/>
+              <a:tabLst/>
+            </a:pPr>
+            <a:r>
+              <a:rPr lang="fr-FR" altLang="en-US" sz="2000" dirty="0" smtClean="0">
+                <a:latin typeface="Arial" panose="020B0604020202020204" pitchFamily="34" charset="0"/>
+              </a:rPr>
+              <a:t>Ajoutez une colonne d’indexation basé à 0</a:t>
+            </a:r>
+            <a:endParaRPr lang="fr-FR" altLang="en-US" sz="2000" b="1" dirty="0" smtClean="0">
+              <a:latin typeface="Arial" panose="020B0604020202020204" pitchFamily="34" charset="0"/>
+            </a:endParaRPr>
+          </a:p>
+        </p:txBody>
+      </p:sp>
+      <p:pic>
+        <p:nvPicPr>
+          <p:cNvPr id="2" name="Picture 1"/>
+          <p:cNvPicPr>
+            <a:picLocks noChangeAspect="1"/>
+          </p:cNvPicPr>
+          <p:nvPr/>
+        </p:nvPicPr>
+        <p:blipFill>
+          <a:blip r:embed="rId3"/>
+          <a:stretch>
+            <a:fillRect/>
+          </a:stretch>
+        </p:blipFill>
+        <p:spPr>
+          <a:xfrm>
+            <a:off x="460120" y="1912729"/>
+            <a:ext cx="4048379" cy="3317127"/>
+          </a:xfrm>
+          <a:prstGeom prst="rect">
+            <a:avLst/>
+          </a:prstGeom>
+        </p:spPr>
+      </p:pic>
+      <p:sp>
+        <p:nvSpPr>
+          <p:cNvPr id="9" name="Rectangle 8"/>
+          <p:cNvSpPr/>
+          <p:nvPr/>
+        </p:nvSpPr>
+        <p:spPr>
+          <a:xfrm>
+            <a:off x="2514599" y="1912729"/>
+            <a:ext cx="984251" cy="260351"/>
+          </a:xfrm>
+          <a:prstGeom prst="rect">
+            <a:avLst/>
+          </a:prstGeom>
+          <a:solidFill>
+            <a:srgbClr val="FF0000">
+              <a:alpha val="12000"/>
+            </a:srgbClr>
+          </a:solidFill>
+          <a:ln>
+            <a:noFill/>
+          </a:ln>
+        </p:spPr>
+        <p:style>
+          <a:lnRef idx="2">
+            <a:schemeClr val="accent1">
+              <a:shade val="50000"/>
+            </a:schemeClr>
+          </a:lnRef>
+          <a:fillRef idx="1">
+            <a:schemeClr val="accent1"/>
+          </a:fillRef>
+          <a:effectRef idx="0">
+            <a:schemeClr val="accent1"/>
+          </a:effectRef>
+          <a:fontRef idx="minor">
+            <a:schemeClr val="lt1"/>
+          </a:fontRef>
+        </p:style>
+        <p:txBody>
+          <a:bodyPr rtlCol="0" anchor="ctr"/>
+          <a:lstStyle/>
+          <a:p>
+            <a:pPr algn="ctr"/>
+            <a:endParaRPr lang="en-US"/>
+          </a:p>
+        </p:txBody>
+      </p:sp>
+      <p:sp>
+        <p:nvSpPr>
+          <p:cNvPr id="10" name="Rectangle 9"/>
+          <p:cNvSpPr/>
+          <p:nvPr/>
+        </p:nvSpPr>
+        <p:spPr>
+          <a:xfrm>
+            <a:off x="2647949" y="2962714"/>
+            <a:ext cx="1101933" cy="260351"/>
+          </a:xfrm>
+          <a:prstGeom prst="rect">
+            <a:avLst/>
+          </a:prstGeom>
+          <a:solidFill>
+            <a:srgbClr val="FF0000">
+              <a:alpha val="12000"/>
+            </a:srgbClr>
+          </a:solidFill>
+          <a:ln>
+            <a:noFill/>
+          </a:ln>
+        </p:spPr>
+        <p:style>
+          <a:lnRef idx="2">
+            <a:schemeClr val="accent1">
+              <a:shade val="50000"/>
+            </a:schemeClr>
+          </a:lnRef>
+          <a:fillRef idx="1">
+            <a:schemeClr val="accent1"/>
+          </a:fillRef>
+          <a:effectRef idx="0">
+            <a:schemeClr val="accent1"/>
+          </a:effectRef>
+          <a:fontRef idx="minor">
+            <a:schemeClr val="lt1"/>
+          </a:fontRef>
+        </p:style>
+        <p:txBody>
+          <a:bodyPr rtlCol="0" anchor="ctr"/>
+          <a:lstStyle/>
+          <a:p>
+            <a:pPr algn="ctr"/>
+            <a:endParaRPr lang="en-US"/>
+          </a:p>
+        </p:txBody>
+      </p:sp>
+      <p:sp>
+        <p:nvSpPr>
+          <p:cNvPr id="11" name="Rectangle 1"/>
+          <p:cNvSpPr>
+            <a:spLocks noChangeArrowheads="1"/>
+          </p:cNvSpPr>
+          <p:nvPr/>
+        </p:nvSpPr>
+        <p:spPr bwMode="auto">
+          <a:xfrm>
+            <a:off x="302508" y="1130543"/>
+            <a:ext cx="10347158" cy="400110"/>
+          </a:xfrm>
+          <a:prstGeom prst="rect">
+            <a:avLst/>
+          </a:prstGeom>
+          <a:noFill/>
+          <a:ln>
+            <a:noFill/>
+          </a:ln>
+          <a:effectLst/>
+          <a:extLst>
+            <a:ext uri="{909E8E84-426E-40DD-AFC4-6F175D3DCCD1}">
+              <a14:hiddenFill xmlns:a14="http://schemas.microsoft.com/office/drawing/2010/main">
+                <a:solidFill>
+                  <a:schemeClr val="accent1"/>
+                </a:solidFill>
+              </a14:hiddenFill>
+            </a:ext>
+            <a:ext uri="{91240B29-F687-4F45-9708-019B960494DF}">
+              <a14:hiddenLine xmlns:a14="http://schemas.microsoft.com/office/drawing/2010/main" w="9525">
+                <a:solidFill>
+                  <a:schemeClr val="tx1"/>
+                </a:solidFill>
+                <a:miter lim="800000"/>
+                <a:headEnd/>
+                <a:tailEnd/>
+              </a14:hiddenLine>
+            </a:ext>
+            <a:ext uri="{AF507438-7753-43E0-B8FC-AC1667EBCBE1}">
+              <a14:hiddenEffects xmlns:a14="http://schemas.microsoft.com/office/drawing/2010/main">
+                <a:effectLst>
+                  <a:outerShdw dist="35921" dir="2700000" algn="ctr" rotWithShape="0">
+                    <a:schemeClr val="bg2"/>
+                  </a:outerShdw>
+                </a:effectLst>
+              </a14:hiddenEffects>
+            </a:ext>
+          </a:extLst>
+        </p:spPr>
+        <p:txBody>
+          <a:bodyPr vert="horz" wrap="square" lIns="91440" tIns="45720" rIns="91440" bIns="45720" numCol="1" anchor="ctr" anchorCtr="0" compatLnSpc="1">
+            <a:prstTxWarp prst="textNoShape">
+              <a:avLst/>
+            </a:prstTxWarp>
+            <a:spAutoFit/>
+          </a:bodyPr>
+          <a:lstStyle/>
+          <a:p>
+            <a:pPr marR="0" lvl="0" indent="14288" algn="l" defTabSz="914400" rtl="0" eaLnBrk="0" fontAlgn="base" latinLnBrk="0" hangingPunct="0">
+              <a:lnSpc>
+                <a:spcPct val="100000"/>
+              </a:lnSpc>
+              <a:spcBef>
+                <a:spcPct val="0"/>
+              </a:spcBef>
+              <a:spcAft>
+                <a:spcPct val="0"/>
+              </a:spcAft>
+              <a:buClrTx/>
+              <a:buSzTx/>
+              <a:buFont typeface="Arial" panose="020B0604020202020204" pitchFamily="34" charset="0"/>
+              <a:buChar char="•"/>
+              <a:tabLst/>
+            </a:pPr>
+            <a:r>
+              <a:rPr lang="fr-FR" altLang="en-US" sz="2000" dirty="0" smtClean="0">
+                <a:latin typeface="Arial" panose="020B0604020202020204" pitchFamily="34" charset="0"/>
+              </a:rPr>
+              <a:t>Renommez les colonnes à </a:t>
+            </a:r>
+            <a:r>
+              <a:rPr lang="fr-FR" altLang="en-US" sz="2000" dirty="0" err="1" smtClean="0">
+                <a:latin typeface="Arial" panose="020B0604020202020204" pitchFamily="34" charset="0"/>
+              </a:rPr>
+              <a:t>CustomerId</a:t>
+            </a:r>
+            <a:r>
+              <a:rPr lang="fr-FR" altLang="en-US" sz="2000" dirty="0" smtClean="0">
+                <a:latin typeface="Arial" panose="020B0604020202020204" pitchFamily="34" charset="0"/>
+              </a:rPr>
+              <a:t> et Customer Name </a:t>
+            </a:r>
+            <a:endParaRPr lang="fr-FR" altLang="en-US" sz="2000" b="1" dirty="0" smtClean="0">
+              <a:latin typeface="Arial" panose="020B0604020202020204" pitchFamily="34" charset="0"/>
+            </a:endParaRPr>
+          </a:p>
+        </p:txBody>
+      </p:sp>
+      <p:pic>
+        <p:nvPicPr>
+          <p:cNvPr id="6" name="Picture 5"/>
+          <p:cNvPicPr>
+            <a:picLocks noChangeAspect="1"/>
+          </p:cNvPicPr>
+          <p:nvPr/>
+        </p:nvPicPr>
+        <p:blipFill>
+          <a:blip r:embed="rId4"/>
+          <a:stretch>
+            <a:fillRect/>
+          </a:stretch>
+        </p:blipFill>
+        <p:spPr>
+          <a:xfrm>
+            <a:off x="4867291" y="1974746"/>
+            <a:ext cx="4314809" cy="1890759"/>
+          </a:xfrm>
+          <a:prstGeom prst="rect">
+            <a:avLst/>
+          </a:prstGeom>
+        </p:spPr>
+      </p:pic>
+    </p:spTree>
+    <p:extLst>
+      <p:ext uri="{BB962C8B-B14F-4D97-AF65-F5344CB8AC3E}">
+        <p14:creationId xmlns:p14="http://schemas.microsoft.com/office/powerpoint/2010/main" val="451158660"/>
+      </p:ext>
+    </p:extLst>
+  </p:cSld>
+  <p:clrMapOvr>
+    <a:masterClrMapping/>
+  </p:clrMapOvr>
+</p:sld>
+</file>
+
+<file path=ppt/slides/slide12.xml><?xml version="1.0" encoding="utf-8"?>
+<p:sld xmlns:a="http://schemas.openxmlformats.org/drawingml/2006/main" xmlns:r="http://schemas.openxmlformats.org/officeDocument/2006/relationships" xmlns:p="http://schemas.openxmlformats.org/presentationml/2006/main">
+  <p:cSld>
+    <p:spTree>
+      <p:nvGrpSpPr>
+        <p:cNvPr id="1" name=""/>
+        <p:cNvGrpSpPr/>
+        <p:nvPr/>
+      </p:nvGrpSpPr>
+      <p:grpSpPr>
+        <a:xfrm>
+          <a:off x="0" y="0"/>
+          <a:ext cx="0" cy="0"/>
+          <a:chOff x="0" y="0"/>
+          <a:chExt cx="0" cy="0"/>
+        </a:xfrm>
+      </p:grpSpPr>
+      <p:sp>
+        <p:nvSpPr>
+          <p:cNvPr id="2" name="TextBox 1"/>
+          <p:cNvSpPr txBox="1"/>
+          <p:nvPr/>
+        </p:nvSpPr>
+        <p:spPr>
+          <a:xfrm flipH="1">
+            <a:off x="220005" y="281882"/>
+            <a:ext cx="2798202" cy="400110"/>
+          </a:xfrm>
+          <a:prstGeom prst="rect">
+            <a:avLst/>
+          </a:prstGeom>
+          <a:noFill/>
+        </p:spPr>
+        <p:txBody>
+          <a:bodyPr wrap="square" rtlCol="0">
+            <a:spAutoFit/>
+          </a:bodyPr>
+          <a:lstStyle/>
+          <a:p>
+            <a:r>
+              <a:rPr lang="fr-FR" sz="2000" b="1" dirty="0" smtClean="0">
+                <a:latin typeface="Segoe UI" panose="020B0502040204020203" pitchFamily="34" charset="0"/>
+                <a:cs typeface="Segoe UI" panose="020B0502040204020203" pitchFamily="34" charset="0"/>
+              </a:rPr>
+              <a:t>Les formes normales</a:t>
+            </a:r>
+            <a:endParaRPr lang="en-US" sz="2000" b="1" dirty="0">
+              <a:latin typeface="Segoe UI" panose="020B0502040204020203" pitchFamily="34" charset="0"/>
+              <a:cs typeface="Segoe UI" panose="020B0502040204020203" pitchFamily="34" charset="0"/>
+            </a:endParaRPr>
+          </a:p>
+        </p:txBody>
+      </p:sp>
+      <p:pic>
+        <p:nvPicPr>
+          <p:cNvPr id="9" name="Picture 8"/>
+          <p:cNvPicPr/>
+          <p:nvPr/>
+        </p:nvPicPr>
+        <p:blipFill rotWithShape="1">
+          <a:blip r:embed="rId2">
+            <a:extLst>
+              <a:ext uri="{28A0092B-C50C-407E-A947-70E740481C1C}">
+                <a14:useLocalDpi xmlns:a14="http://schemas.microsoft.com/office/drawing/2010/main" val="0"/>
+              </a:ext>
+            </a:extLst>
+          </a:blip>
+          <a:srcRect l="2402" t="5491" r="-1"/>
+          <a:stretch/>
+        </p:blipFill>
+        <p:spPr bwMode="auto">
+          <a:xfrm>
+            <a:off x="374650" y="1466776"/>
+            <a:ext cx="7302500" cy="3448124"/>
+          </a:xfrm>
+          <a:prstGeom prst="rect">
+            <a:avLst/>
+          </a:prstGeom>
+          <a:ln>
+            <a:noFill/>
+          </a:ln>
+          <a:effectLst>
+            <a:outerShdw blurRad="292100" dist="139700" dir="2700000" algn="tl" rotWithShape="0">
+              <a:srgbClr val="333333">
+                <a:alpha val="65000"/>
+              </a:srgbClr>
+            </a:outerShdw>
+          </a:effectLst>
+          <a:extLst>
+            <a:ext uri="{53640926-AAD7-44D8-BBD7-CCE9431645EC}">
+              <a14:shadowObscured xmlns:a14="http://schemas.microsoft.com/office/drawing/2010/main"/>
+            </a:ext>
+          </a:extLst>
+        </p:spPr>
+      </p:pic>
+      <p:sp>
+        <p:nvSpPr>
+          <p:cNvPr id="4" name="Rectangle 3"/>
+          <p:cNvSpPr/>
+          <p:nvPr/>
+        </p:nvSpPr>
+        <p:spPr>
+          <a:xfrm>
+            <a:off x="270805" y="874329"/>
+            <a:ext cx="9707995" cy="400110"/>
+          </a:xfrm>
+          <a:prstGeom prst="rect">
+            <a:avLst/>
+          </a:prstGeom>
+        </p:spPr>
+        <p:txBody>
+          <a:bodyPr wrap="square">
+            <a:spAutoFit/>
+          </a:bodyPr>
+          <a:lstStyle/>
+          <a:p>
+            <a:r>
+              <a:rPr lang="fr-FR" sz="2000" dirty="0"/>
+              <a:t>Renommez la table </a:t>
+            </a:r>
+            <a:r>
+              <a:rPr lang="fr-FR" sz="2000" b="1" dirty="0"/>
+              <a:t>1NF</a:t>
+            </a:r>
+            <a:r>
+              <a:rPr lang="fr-FR" sz="2000" dirty="0"/>
+              <a:t> en </a:t>
+            </a:r>
+            <a:r>
+              <a:rPr lang="fr-FR" sz="2000" b="1" dirty="0"/>
+              <a:t>Sales </a:t>
+            </a:r>
+            <a:r>
+              <a:rPr lang="fr-FR" sz="2000" dirty="0"/>
+              <a:t>et ajoutez une colonne conditionnelle </a:t>
+            </a:r>
+            <a:r>
+              <a:rPr lang="fr-FR" sz="2000" b="1" dirty="0"/>
+              <a:t>Customer ID</a:t>
+            </a:r>
+            <a:endParaRPr lang="en-US" sz="2000" b="1" dirty="0"/>
+          </a:p>
+        </p:txBody>
+      </p:sp>
+    </p:spTree>
+    <p:extLst>
+      <p:ext uri="{BB962C8B-B14F-4D97-AF65-F5344CB8AC3E}">
+        <p14:creationId xmlns:p14="http://schemas.microsoft.com/office/powerpoint/2010/main" val="4283579214"/>
+      </p:ext>
+    </p:extLst>
+  </p:cSld>
+  <p:clrMapOvr>
+    <a:masterClrMapping/>
+  </p:clrMapOvr>
+</p:sld>
+</file>
+
+<file path=ppt/slides/slide13.xml><?xml version="1.0" encoding="utf-8"?>
+<p:sld xmlns:a="http://schemas.openxmlformats.org/drawingml/2006/main" xmlns:r="http://schemas.openxmlformats.org/officeDocument/2006/relationships" xmlns:p="http://schemas.openxmlformats.org/presentationml/2006/main">
+  <p:cSld>
+    <p:spTree>
+      <p:nvGrpSpPr>
+        <p:cNvPr id="1" name=""/>
+        <p:cNvGrpSpPr/>
+        <p:nvPr/>
+      </p:nvGrpSpPr>
+      <p:grpSpPr>
+        <a:xfrm>
+          <a:off x="0" y="0"/>
+          <a:ext cx="0" cy="0"/>
+          <a:chOff x="0" y="0"/>
+          <a:chExt cx="0" cy="0"/>
+        </a:xfrm>
+      </p:grpSpPr>
+      <p:sp>
+        <p:nvSpPr>
+          <p:cNvPr id="2" name="TextBox 1"/>
+          <p:cNvSpPr txBox="1"/>
+          <p:nvPr/>
+        </p:nvSpPr>
+        <p:spPr>
+          <a:xfrm flipH="1">
+            <a:off x="220005" y="281882"/>
+            <a:ext cx="2798202" cy="400110"/>
+          </a:xfrm>
+          <a:prstGeom prst="rect">
+            <a:avLst/>
+          </a:prstGeom>
+          <a:noFill/>
+        </p:spPr>
+        <p:txBody>
+          <a:bodyPr wrap="square" rtlCol="0">
+            <a:spAutoFit/>
+          </a:bodyPr>
+          <a:lstStyle/>
+          <a:p>
+            <a:r>
+              <a:rPr lang="fr-FR" sz="2000" b="1" dirty="0" smtClean="0">
+                <a:latin typeface="Segoe UI" panose="020B0502040204020203" pitchFamily="34" charset="0"/>
+                <a:cs typeface="Segoe UI" panose="020B0502040204020203" pitchFamily="34" charset="0"/>
+              </a:rPr>
+              <a:t>Les formes normales</a:t>
+            </a:r>
+            <a:endParaRPr lang="en-US" sz="2000" b="1" dirty="0">
+              <a:latin typeface="Segoe UI" panose="020B0502040204020203" pitchFamily="34" charset="0"/>
+              <a:cs typeface="Segoe UI" panose="020B0502040204020203" pitchFamily="34" charset="0"/>
+            </a:endParaRPr>
+          </a:p>
+        </p:txBody>
+      </p:sp>
+      <p:sp>
+        <p:nvSpPr>
+          <p:cNvPr id="4" name="Rectangle 3"/>
+          <p:cNvSpPr/>
+          <p:nvPr/>
+        </p:nvSpPr>
+        <p:spPr>
+          <a:xfrm>
+            <a:off x="270805" y="874329"/>
+            <a:ext cx="9707995" cy="400110"/>
+          </a:xfrm>
+          <a:prstGeom prst="rect">
+            <a:avLst/>
+          </a:prstGeom>
+        </p:spPr>
+        <p:txBody>
+          <a:bodyPr wrap="square">
+            <a:spAutoFit/>
+          </a:bodyPr>
+          <a:lstStyle/>
+          <a:p>
+            <a:r>
+              <a:rPr lang="fr-FR" sz="2000" dirty="0"/>
+              <a:t>A</a:t>
+            </a:r>
+            <a:r>
+              <a:rPr lang="fr-FR" sz="2000" dirty="0" smtClean="0"/>
+              <a:t>joutez </a:t>
+            </a:r>
+            <a:r>
+              <a:rPr lang="fr-FR" sz="2000" dirty="0"/>
+              <a:t>une colonne conditionnelle </a:t>
+            </a:r>
+            <a:r>
+              <a:rPr lang="fr-FR" sz="2000" b="1" dirty="0" smtClean="0"/>
+              <a:t>Location ID </a:t>
+            </a:r>
+            <a:r>
+              <a:rPr lang="fr-FR" sz="2000" dirty="0" smtClean="0"/>
+              <a:t>en suivant la même procédure précédente</a:t>
+            </a:r>
+            <a:endParaRPr lang="en-US" sz="2000" dirty="0"/>
+          </a:p>
+        </p:txBody>
+      </p:sp>
+      <p:pic>
+        <p:nvPicPr>
+          <p:cNvPr id="3" name="Picture 2"/>
+          <p:cNvPicPr>
+            <a:picLocks noChangeAspect="1"/>
+          </p:cNvPicPr>
+          <p:nvPr/>
+        </p:nvPicPr>
+        <p:blipFill>
+          <a:blip r:embed="rId2"/>
+          <a:stretch>
+            <a:fillRect/>
+          </a:stretch>
+        </p:blipFill>
+        <p:spPr>
+          <a:xfrm>
+            <a:off x="353753" y="1417713"/>
+            <a:ext cx="8104447" cy="4532846"/>
+          </a:xfrm>
+          <a:prstGeom prst="rect">
+            <a:avLst/>
+          </a:prstGeom>
+        </p:spPr>
+      </p:pic>
+    </p:spTree>
+    <p:extLst>
+      <p:ext uri="{BB962C8B-B14F-4D97-AF65-F5344CB8AC3E}">
+        <p14:creationId xmlns:p14="http://schemas.microsoft.com/office/powerpoint/2010/main" val="5569700"/>
+      </p:ext>
+    </p:extLst>
+  </p:cSld>
+  <p:clrMapOvr>
+    <a:masterClrMapping/>
+  </p:clrMapOvr>
+</p:sld>
+</file>
+
+<file path=ppt/slides/slide14.xml><?xml version="1.0" encoding="utf-8"?>
+<p:sld xmlns:a="http://schemas.openxmlformats.org/drawingml/2006/main" xmlns:r="http://schemas.openxmlformats.org/officeDocument/2006/relationships" xmlns:p="http://schemas.openxmlformats.org/presentationml/2006/main">
+  <p:cSld>
+    <p:spTree>
+      <p:nvGrpSpPr>
+        <p:cNvPr id="1" name=""/>
+        <p:cNvGrpSpPr/>
+        <p:nvPr/>
+      </p:nvGrpSpPr>
+      <p:grpSpPr>
+        <a:xfrm>
+          <a:off x="0" y="0"/>
+          <a:ext cx="0" cy="0"/>
+          <a:chOff x="0" y="0"/>
+          <a:chExt cx="0" cy="0"/>
+        </a:xfrm>
+      </p:grpSpPr>
+      <p:sp>
+        <p:nvSpPr>
+          <p:cNvPr id="2" name="TextBox 1"/>
+          <p:cNvSpPr txBox="1"/>
+          <p:nvPr/>
+        </p:nvSpPr>
+        <p:spPr>
+          <a:xfrm flipH="1">
+            <a:off x="220005" y="281882"/>
+            <a:ext cx="2798202" cy="400110"/>
+          </a:xfrm>
+          <a:prstGeom prst="rect">
+            <a:avLst/>
+          </a:prstGeom>
+          <a:noFill/>
+        </p:spPr>
+        <p:txBody>
+          <a:bodyPr wrap="square" rtlCol="0">
+            <a:spAutoFit/>
+          </a:bodyPr>
+          <a:lstStyle/>
+          <a:p>
+            <a:r>
+              <a:rPr lang="fr-FR" sz="2000" b="1" dirty="0" smtClean="0">
+                <a:latin typeface="Segoe UI" panose="020B0502040204020203" pitchFamily="34" charset="0"/>
+                <a:cs typeface="Segoe UI" panose="020B0502040204020203" pitchFamily="34" charset="0"/>
+              </a:rPr>
+              <a:t>Les formes normales</a:t>
+            </a:r>
+            <a:endParaRPr lang="en-US" sz="2000" b="1" dirty="0">
+              <a:latin typeface="Segoe UI" panose="020B0502040204020203" pitchFamily="34" charset="0"/>
+              <a:cs typeface="Segoe UI" panose="020B0502040204020203" pitchFamily="34" charset="0"/>
+            </a:endParaRPr>
+          </a:p>
+        </p:txBody>
+      </p:sp>
+      <p:sp>
+        <p:nvSpPr>
+          <p:cNvPr id="4" name="Rectangle 3"/>
+          <p:cNvSpPr/>
+          <p:nvPr/>
+        </p:nvSpPr>
+        <p:spPr>
+          <a:xfrm>
+            <a:off x="270805" y="874329"/>
+            <a:ext cx="9707995" cy="400110"/>
+          </a:xfrm>
+          <a:prstGeom prst="rect">
+            <a:avLst/>
+          </a:prstGeom>
+        </p:spPr>
+        <p:txBody>
+          <a:bodyPr wrap="square">
+            <a:spAutoFit/>
+          </a:bodyPr>
+          <a:lstStyle/>
+          <a:p>
+            <a:r>
+              <a:rPr lang="fr-FR" sz="2000" dirty="0" smtClean="0"/>
+              <a:t>Eliminez les deux colonnes </a:t>
+            </a:r>
+            <a:r>
+              <a:rPr lang="fr-FR" sz="2000" b="1" dirty="0" err="1" smtClean="0"/>
+              <a:t>Customers</a:t>
+            </a:r>
+            <a:r>
+              <a:rPr lang="fr-FR" sz="2000" dirty="0" smtClean="0"/>
+              <a:t> et </a:t>
+            </a:r>
+            <a:r>
+              <a:rPr lang="fr-FR" sz="2000" b="1" dirty="0" smtClean="0"/>
+              <a:t>Locations</a:t>
+            </a:r>
+            <a:r>
+              <a:rPr lang="fr-FR" sz="2000" dirty="0" smtClean="0"/>
+              <a:t> dans </a:t>
+            </a:r>
+            <a:r>
+              <a:rPr lang="fr-FR" sz="2000" b="1" dirty="0" smtClean="0"/>
+              <a:t>Sales</a:t>
+            </a:r>
+            <a:endParaRPr lang="en-US" sz="2000" b="1" dirty="0"/>
+          </a:p>
+        </p:txBody>
+      </p:sp>
+      <p:sp>
+        <p:nvSpPr>
+          <p:cNvPr id="5" name="Rectangle 4"/>
+          <p:cNvSpPr/>
+          <p:nvPr/>
+        </p:nvSpPr>
+        <p:spPr>
+          <a:xfrm>
+            <a:off x="270804" y="1325179"/>
+            <a:ext cx="9707995" cy="400110"/>
+          </a:xfrm>
+          <a:prstGeom prst="rect">
+            <a:avLst/>
+          </a:prstGeom>
+        </p:spPr>
+        <p:txBody>
+          <a:bodyPr wrap="square">
+            <a:spAutoFit/>
+          </a:bodyPr>
+          <a:lstStyle/>
+          <a:p>
+            <a:r>
+              <a:rPr lang="fr-FR" sz="2000" dirty="0" smtClean="0"/>
+              <a:t>Positionnez les colonnes </a:t>
+            </a:r>
+            <a:r>
+              <a:rPr lang="fr-FR" sz="2000" b="1" dirty="0" err="1" smtClean="0"/>
+              <a:t>Customers</a:t>
+            </a:r>
+            <a:r>
+              <a:rPr lang="fr-FR" sz="2000" b="1" dirty="0" smtClean="0"/>
+              <a:t> ID</a:t>
+            </a:r>
+            <a:r>
+              <a:rPr lang="fr-FR" sz="2000" dirty="0" smtClean="0"/>
+              <a:t> et </a:t>
+            </a:r>
+            <a:r>
+              <a:rPr lang="fr-FR" sz="2000" b="1" dirty="0" smtClean="0"/>
+              <a:t>Location ID </a:t>
+            </a:r>
+            <a:r>
+              <a:rPr lang="fr-FR" sz="2000" dirty="0" smtClean="0"/>
+              <a:t>au début</a:t>
+            </a:r>
+            <a:endParaRPr lang="en-US" sz="2000" dirty="0"/>
+          </a:p>
+        </p:txBody>
+      </p:sp>
+      <p:sp>
+        <p:nvSpPr>
+          <p:cNvPr id="6" name="Rectangle 5"/>
+          <p:cNvSpPr/>
+          <p:nvPr/>
+        </p:nvSpPr>
+        <p:spPr>
+          <a:xfrm>
+            <a:off x="270804" y="1725289"/>
+            <a:ext cx="9707995" cy="400110"/>
+          </a:xfrm>
+          <a:prstGeom prst="rect">
+            <a:avLst/>
+          </a:prstGeom>
+        </p:spPr>
+        <p:txBody>
+          <a:bodyPr wrap="square">
+            <a:spAutoFit/>
+          </a:bodyPr>
+          <a:lstStyle/>
+          <a:p>
+            <a:r>
+              <a:rPr lang="fr-FR" sz="2000" dirty="0" smtClean="0"/>
+              <a:t>Vérifiez que le type des colonnes </a:t>
+            </a:r>
+            <a:r>
+              <a:rPr lang="fr-FR" sz="2000" b="1" dirty="0" err="1" smtClean="0"/>
+              <a:t>Customers</a:t>
+            </a:r>
+            <a:r>
+              <a:rPr lang="fr-FR" sz="2000" b="1" dirty="0" smtClean="0"/>
+              <a:t> ID</a:t>
+            </a:r>
+            <a:r>
+              <a:rPr lang="fr-FR" sz="2000" dirty="0" smtClean="0"/>
+              <a:t> et </a:t>
+            </a:r>
+            <a:r>
+              <a:rPr lang="fr-FR" sz="2000" b="1" dirty="0" smtClean="0"/>
+              <a:t>Location ID </a:t>
+            </a:r>
+            <a:r>
+              <a:rPr lang="fr-FR" sz="2000" dirty="0" smtClean="0"/>
+              <a:t>soit </a:t>
+            </a:r>
+            <a:r>
+              <a:rPr lang="fr-FR" sz="2000" b="1" dirty="0" err="1" smtClean="0"/>
+              <a:t>Number</a:t>
+            </a:r>
+            <a:endParaRPr lang="en-US" sz="2000" b="1" dirty="0"/>
+          </a:p>
+        </p:txBody>
+      </p:sp>
+      <p:pic>
+        <p:nvPicPr>
+          <p:cNvPr id="7" name="Picture 6"/>
+          <p:cNvPicPr>
+            <a:picLocks noChangeAspect="1"/>
+          </p:cNvPicPr>
+          <p:nvPr/>
+        </p:nvPicPr>
+        <p:blipFill>
+          <a:blip r:embed="rId2"/>
+          <a:stretch>
+            <a:fillRect/>
+          </a:stretch>
+        </p:blipFill>
+        <p:spPr>
+          <a:xfrm>
+            <a:off x="439404" y="2265159"/>
+            <a:ext cx="5751846" cy="3180162"/>
+          </a:xfrm>
+          <a:prstGeom prst="rect">
+            <a:avLst/>
+          </a:prstGeom>
+        </p:spPr>
+      </p:pic>
+      <p:sp>
+        <p:nvSpPr>
+          <p:cNvPr id="8" name="Rectangle 7"/>
+          <p:cNvSpPr/>
+          <p:nvPr/>
+        </p:nvSpPr>
+        <p:spPr>
+          <a:xfrm>
+            <a:off x="749300" y="2265159"/>
+            <a:ext cx="285750" cy="268491"/>
+          </a:xfrm>
+          <a:prstGeom prst="rect">
+            <a:avLst/>
+          </a:prstGeom>
+          <a:noFill/>
+          <a:ln w="38100">
+            <a:solidFill>
+              <a:srgbClr val="FF0000"/>
+            </a:solidFill>
+          </a:ln>
+        </p:spPr>
+        <p:style>
+          <a:lnRef idx="2">
+            <a:schemeClr val="accent1">
+              <a:shade val="50000"/>
+            </a:schemeClr>
+          </a:lnRef>
+          <a:fillRef idx="1">
+            <a:schemeClr val="accent1"/>
+          </a:fillRef>
+          <a:effectRef idx="0">
+            <a:schemeClr val="accent1"/>
+          </a:effectRef>
+          <a:fontRef idx="minor">
+            <a:schemeClr val="lt1"/>
+          </a:fontRef>
+        </p:style>
+        <p:txBody>
+          <a:bodyPr rtlCol="0" anchor="ctr"/>
+          <a:lstStyle/>
+          <a:p>
+            <a:pPr algn="ctr"/>
+            <a:endParaRPr lang="en-US"/>
+          </a:p>
+        </p:txBody>
+      </p:sp>
+      <p:sp>
+        <p:nvSpPr>
+          <p:cNvPr id="9" name="Rectangle 8"/>
+          <p:cNvSpPr/>
+          <p:nvPr/>
+        </p:nvSpPr>
+        <p:spPr>
+          <a:xfrm>
+            <a:off x="2565400" y="2265159"/>
+            <a:ext cx="323850" cy="268491"/>
+          </a:xfrm>
+          <a:prstGeom prst="rect">
+            <a:avLst/>
+          </a:prstGeom>
+          <a:noFill/>
+          <a:ln w="38100">
+            <a:solidFill>
+              <a:srgbClr val="FF0000"/>
+            </a:solidFill>
+          </a:ln>
+        </p:spPr>
+        <p:style>
+          <a:lnRef idx="2">
+            <a:schemeClr val="accent1">
+              <a:shade val="50000"/>
+            </a:schemeClr>
+          </a:lnRef>
+          <a:fillRef idx="1">
+            <a:schemeClr val="accent1"/>
+          </a:fillRef>
+          <a:effectRef idx="0">
+            <a:schemeClr val="accent1"/>
+          </a:effectRef>
+          <a:fontRef idx="minor">
+            <a:schemeClr val="lt1"/>
+          </a:fontRef>
+        </p:style>
+        <p:txBody>
+          <a:bodyPr rtlCol="0" anchor="ctr"/>
+          <a:lstStyle/>
+          <a:p>
+            <a:pPr algn="ctr"/>
+            <a:endParaRPr lang="en-US"/>
+          </a:p>
+        </p:txBody>
+      </p:sp>
+    </p:spTree>
+    <p:extLst>
+      <p:ext uri="{BB962C8B-B14F-4D97-AF65-F5344CB8AC3E}">
+        <p14:creationId xmlns:p14="http://schemas.microsoft.com/office/powerpoint/2010/main" val="708705238"/>
+      </p:ext>
+    </p:extLst>
+  </p:cSld>
+  <p:clrMapOvr>
+    <a:masterClrMapping/>
+  </p:clrMapOvr>
+</p:sld>
+</file>
+
+<file path=ppt/slides/slide15.xml><?xml version="1.0" encoding="utf-8"?>
+<p:sld xmlns:a="http://schemas.openxmlformats.org/drawingml/2006/main" xmlns:r="http://schemas.openxmlformats.org/officeDocument/2006/relationships" xmlns:p="http://schemas.openxmlformats.org/presentationml/2006/main">
+  <p:cSld>
+    <p:spTree>
+      <p:nvGrpSpPr>
+        <p:cNvPr id="1" name=""/>
+        <p:cNvGrpSpPr/>
+        <p:nvPr/>
+      </p:nvGrpSpPr>
+      <p:grpSpPr>
+        <a:xfrm>
+          <a:off x="0" y="0"/>
+          <a:ext cx="0" cy="0"/>
+          <a:chOff x="0" y="0"/>
+          <a:chExt cx="0" cy="0"/>
+        </a:xfrm>
+      </p:grpSpPr>
+      <p:pic>
+        <p:nvPicPr>
+          <p:cNvPr id="7" name="Picture 6"/>
           <p:cNvPicPr/>
           <p:nvPr/>
         </p:nvPicPr>
@@ -3545,8 +5062,8 @@
         </p:blipFill>
         <p:spPr bwMode="auto">
           <a:xfrm>
-            <a:off x="275008" y="1443542"/>
-            <a:ext cx="3677920" cy="1835785"/>
+            <a:off x="2919028" y="1670050"/>
+            <a:ext cx="5018472" cy="2603500"/>
           </a:xfrm>
           <a:prstGeom prst="rect">
             <a:avLst/>
@@ -3563,45 +5080,6 @@
           </a:effectLst>
         </p:spPr>
       </p:pic>
-      <p:pic>
-        <p:nvPicPr>
-          <p:cNvPr id="7" name="Picture 6"/>
-          <p:cNvPicPr/>
-          <p:nvPr/>
-        </p:nvPicPr>
-        <p:blipFill>
-          <a:blip r:embed="rId3">
-            <a:extLst>
-              <a:ext uri="{28A0092B-C50C-407E-A947-70E740481C1C}">
-                <a14:useLocalDpi xmlns:a14="http://schemas.microsoft.com/office/drawing/2010/main" val="0"/>
-              </a:ext>
-            </a:extLst>
-          </a:blip>
-          <a:srcRect/>
-          <a:stretch>
-            <a:fillRect/>
-          </a:stretch>
-        </p:blipFill>
-        <p:spPr bwMode="auto">
-          <a:xfrm>
-            <a:off x="4830378" y="3768038"/>
-            <a:ext cx="4739883" cy="2894020"/>
-          </a:xfrm>
-          <a:prstGeom prst="rect">
-            <a:avLst/>
-          </a:prstGeom>
-          <a:ln>
-            <a:noFill/>
-          </a:ln>
-          <a:effectLst>
-            <a:outerShdw blurRad="292100" dist="139700" dir="2700000" algn="tl" rotWithShape="0">
-              <a:srgbClr val="333333">
-                <a:alpha val="65000"/>
-              </a:srgbClr>
-            </a:outerShdw>
-          </a:effectLst>
-        </p:spPr>
-      </p:pic>
       <p:sp>
         <p:nvSpPr>
           <p:cNvPr id="8" name="TextBox 7"/>
@@ -3646,7 +5124,7 @@
         </p:nvSpPr>
         <p:spPr>
           <a:xfrm>
-            <a:off x="312012" y="3768038"/>
+            <a:off x="331062" y="834338"/>
             <a:ext cx="4580356" cy="400110"/>
           </a:xfrm>
           <a:prstGeom prst="rect">
@@ -3662,43 +5140,6 @@
             <a:r>
               <a:rPr lang="fr-FR" sz="2000" dirty="0"/>
               <a:t>Visualisez les tables dans l’espace modèle.</a:t>
-            </a:r>
-            <a:endParaRPr lang="en-US" sz="2000" dirty="0"/>
-          </a:p>
-        </p:txBody>
-      </p:sp>
-      <p:sp>
-        <p:nvSpPr>
-          <p:cNvPr id="9" name="Rectangle 8"/>
-          <p:cNvSpPr/>
-          <p:nvPr/>
-        </p:nvSpPr>
-        <p:spPr>
-          <a:xfrm>
-            <a:off x="275008" y="801371"/>
-            <a:ext cx="6525633" cy="400110"/>
-          </a:xfrm>
-          <a:prstGeom prst="rect">
-            <a:avLst/>
-          </a:prstGeom>
-        </p:spPr>
-        <p:txBody>
-          <a:bodyPr wrap="none">
-            <a:spAutoFit/>
-          </a:bodyPr>
-          <a:lstStyle/>
-          <a:p>
-            <a:r>
-              <a:rPr lang="fr-FR" sz="2000" dirty="0"/>
-              <a:t>Vérifiez que la table </a:t>
-            </a:r>
-            <a:r>
-              <a:rPr lang="fr-FR" sz="2000" b="1" dirty="0"/>
-              <a:t>Sales</a:t>
-            </a:r>
-            <a:r>
-              <a:rPr lang="fr-FR" sz="2000" dirty="0"/>
-              <a:t> correspond à la structure attendue</a:t>
             </a:r>
             <a:endParaRPr lang="en-US" sz="2000" dirty="0"/>
           </a:p>
@@ -3717,7 +5158,7 @@
 </p:sld>
 </file>
 
-<file path=ppt/slides/slide11.xml><?xml version="1.0" encoding="utf-8"?>
+<file path=ppt/slides/slide16.xml><?xml version="1.0" encoding="utf-8"?>
 <p:sld xmlns:a="http://schemas.openxmlformats.org/drawingml/2006/main" xmlns:r="http://schemas.openxmlformats.org/officeDocument/2006/relationships" xmlns:p="http://schemas.openxmlformats.org/presentationml/2006/main">
   <p:cSld>
     <p:bg>
@@ -3920,7 +5361,7 @@
         </p:blipFill>
         <p:spPr bwMode="auto">
           <a:xfrm>
-            <a:off x="387302" y="2509133"/>
+            <a:off x="2927302" y="2197983"/>
             <a:ext cx="5745365" cy="2934087"/>
           </a:xfrm>
           <a:prstGeom prst="rect">
@@ -3982,8 +5423,8 @@
         </p:nvSpPr>
         <p:spPr>
           <a:xfrm>
-            <a:off x="291049" y="712920"/>
-            <a:ext cx="11300518" cy="707886"/>
+            <a:off x="291048" y="712920"/>
+            <a:ext cx="11672351" cy="400110"/>
           </a:xfrm>
           <a:prstGeom prst="rect">
             <a:avLst/>
@@ -3996,22 +5437,34 @@
           <a:lstStyle/>
           <a:p>
             <a:r>
+              <a:rPr lang="fr-FR" sz="2000" b="1" dirty="0"/>
+              <a:t>Note : </a:t>
+            </a:r>
+            <a:r>
+              <a:rPr lang="fr-FR" sz="2000" dirty="0" smtClean="0"/>
+              <a:t>Cet atelier </a:t>
+            </a:r>
+            <a:r>
               <a:rPr lang="fr-FR" sz="2000" dirty="0"/>
-              <a:t>Note : Ce laboratoire utilise le fichier Customers.xlsx situé dans le dossier </a:t>
-            </a:r>
-            <a:r>
-              <a:rPr lang="fr-FR" sz="2000" b="1" dirty="0" err="1"/>
+              <a:t>utilise le fichier </a:t>
+            </a:r>
+            <a:r>
+              <a:rPr lang="fr-FR" sz="2000" b="1" dirty="0"/>
+              <a:t>Customers.xlsx</a:t>
+            </a:r>
+            <a:r>
+              <a:rPr lang="fr-FR" sz="2000" dirty="0"/>
+              <a:t> situé dans le dossier </a:t>
+            </a:r>
+            <a:r>
+              <a:rPr lang="fr-FR" sz="2000" b="1" dirty="0" err="1" smtClean="0"/>
               <a:t>resources</a:t>
             </a:r>
             <a:r>
-              <a:rPr lang="fr-FR" sz="2000" b="1" dirty="0"/>
-              <a:t>\Advanced </a:t>
-            </a:r>
-            <a:r>
-              <a:rPr lang="fr-FR" sz="2000" dirty="0"/>
-              <a:t>Transformations</a:t>
-            </a:r>
-            <a:endParaRPr lang="en-US" sz="2000" dirty="0"/>
+              <a:rPr lang="fr-FR" sz="2000" b="1" dirty="0" smtClean="0"/>
+              <a:t>\Transformations avancées</a:t>
+            </a:r>
+            <a:endParaRPr lang="en-US" sz="2000" b="1" dirty="0"/>
           </a:p>
         </p:txBody>
       </p:sp>
@@ -4023,7 +5476,7 @@
         </p:nvSpPr>
         <p:spPr>
           <a:xfrm>
-            <a:off x="291049" y="1451734"/>
+            <a:off x="291048" y="1248534"/>
             <a:ext cx="11204265" cy="707886"/>
           </a:xfrm>
           <a:prstGeom prst="rect">
@@ -4091,7 +5544,7 @@
         <p:spPr>
           <a:xfrm>
             <a:off x="220006" y="752709"/>
-            <a:ext cx="2481770" cy="373692"/>
+            <a:ext cx="2686698" cy="373692"/>
           </a:xfrm>
           <a:prstGeom prst="rect">
             <a:avLst/>
@@ -4112,22 +5565,22 @@
               </a:spcAft>
             </a:pPr>
             <a:r>
-              <a:rPr lang="fr-FR" dirty="0">
+              <a:rPr lang="fr-FR" dirty="0" smtClean="0">
                 <a:latin typeface="Segoe UI" panose="020B0502040204020203" pitchFamily="34" charset="0"/>
                 <a:ea typeface="Calibri" panose="020F0502020204030204" pitchFamily="34" charset="0"/>
                 <a:cs typeface="Times New Roman" panose="02020603050405020304" pitchFamily="18" charset="0"/>
               </a:rPr>
-              <a:t>Edit the first table </a:t>
-            </a:r>
-            <a:r>
-              <a:rPr lang="fr-FR" b="1" dirty="0">
+              <a:t>Editez le fichier </a:t>
+            </a:r>
+            <a:r>
+              <a:rPr lang="fr-FR" b="1" dirty="0" smtClean="0">
                 <a:latin typeface="Segoe UI" panose="020B0502040204020203" pitchFamily="34" charset="0"/>
                 <a:ea typeface="Calibri" panose="020F0502020204030204" pitchFamily="34" charset="0"/>
                 <a:cs typeface="Times New Roman" panose="02020603050405020304" pitchFamily="18" charset="0"/>
               </a:rPr>
-              <a:t>1NF</a:t>
-            </a:r>
-            <a:endParaRPr lang="en-US" sz="1400" dirty="0">
+              <a:t>1NF.xlsx</a:t>
+            </a:r>
+            <a:endParaRPr lang="en-US" sz="1400" b="1" dirty="0">
               <a:effectLst/>
               <a:latin typeface="Calibri" panose="020F0502020204030204" pitchFamily="34" charset="0"/>
               <a:ea typeface="Calibri" panose="020F0502020204030204" pitchFamily="34" charset="0"/>
@@ -4136,45 +5589,6 @@
           </a:p>
         </p:txBody>
       </p:sp>
-      <p:pic>
-        <p:nvPicPr>
-          <p:cNvPr id="7" name="Picture 6"/>
-          <p:cNvPicPr/>
-          <p:nvPr/>
-        </p:nvPicPr>
-        <p:blipFill>
-          <a:blip r:embed="rId2">
-            <a:extLst>
-              <a:ext uri="{28A0092B-C50C-407E-A947-70E740481C1C}">
-                <a14:useLocalDpi xmlns:a14="http://schemas.microsoft.com/office/drawing/2010/main" val="0"/>
-              </a:ext>
-            </a:extLst>
-          </a:blip>
-          <a:srcRect/>
-          <a:stretch>
-            <a:fillRect/>
-          </a:stretch>
-        </p:blipFill>
-        <p:spPr bwMode="auto">
-          <a:xfrm>
-            <a:off x="327259" y="1227896"/>
-            <a:ext cx="4169114" cy="2003442"/>
-          </a:xfrm>
-          <a:prstGeom prst="rect">
-            <a:avLst/>
-          </a:prstGeom>
-          <a:ln>
-            <a:noFill/>
-          </a:ln>
-          <a:effectLst>
-            <a:outerShdw blurRad="292100" dist="139700" dir="2700000" algn="tl" rotWithShape="0">
-              <a:srgbClr val="333333">
-                <a:alpha val="65000"/>
-              </a:srgbClr>
-            </a:outerShdw>
-          </a:effectLst>
-        </p:spPr>
-      </p:pic>
       <p:sp>
         <p:nvSpPr>
           <p:cNvPr id="9" name="TextBox 8"/>
@@ -4211,16 +5625,40 @@
           </a:p>
         </p:txBody>
       </p:sp>
-      <p:sp>
-        <p:nvSpPr>
-          <p:cNvPr id="3" name="Rectangle 2"/>
+      <p:pic>
+        <p:nvPicPr>
+          <p:cNvPr id="2" name="Picture 1"/>
+          <p:cNvPicPr>
+            <a:picLocks noChangeAspect="1"/>
+          </p:cNvPicPr>
+          <p:nvPr/>
+        </p:nvPicPr>
+        <p:blipFill>
+          <a:blip r:embed="rId2"/>
+          <a:stretch>
+            <a:fillRect/>
+          </a:stretch>
+        </p:blipFill>
+        <p:spPr>
+          <a:xfrm>
+            <a:off x="327259" y="1280643"/>
+            <a:ext cx="4934639" cy="2048161"/>
+          </a:xfrm>
+          <a:prstGeom prst="rect">
+            <a:avLst/>
+          </a:prstGeom>
+        </p:spPr>
+      </p:pic>
+      <p:sp>
+        <p:nvSpPr>
+          <p:cNvPr id="8" name="Rectangle 7"/>
           <p:cNvSpPr/>
           <p:nvPr/>
         </p:nvSpPr>
         <p:spPr>
           <a:xfrm>
-            <a:off x="327259" y="3536579"/>
-            <a:ext cx="10975550" cy="707886"/>
+            <a:off x="262025" y="3483046"/>
+            <a:ext cx="10975550" cy="400110"/>
           </a:xfrm>
           <a:prstGeom prst="rect">
             <a:avLst/>
@@ -4233,55 +5671,81 @@
           <a:lstStyle/>
           <a:p>
             <a:r>
-              <a:rPr lang="fr-FR" sz="2000" dirty="0"/>
-              <a:t>Commencez avec la colonne </a:t>
-            </a:r>
-            <a:r>
-              <a:rPr lang="fr-FR" sz="2000" b="1" dirty="0"/>
-              <a:t>Locations</a:t>
-            </a:r>
-            <a:r>
-              <a:rPr lang="fr-FR" sz="2000" dirty="0"/>
-              <a:t> en effectuant un </a:t>
-            </a:r>
-            <a:r>
-              <a:rPr lang="fr-FR" sz="2000" b="1" dirty="0"/>
-              <a:t>Fractionner la colonne</a:t>
-            </a:r>
-            <a:r>
-              <a:rPr lang="fr-FR" sz="2000" dirty="0"/>
-              <a:t> avec la virgule comme délimiteur.</a:t>
+              <a:rPr lang="fr-FR" sz="2000" dirty="0" smtClean="0"/>
+              <a:t>Définissez la première colonne comme entête </a:t>
             </a:r>
             <a:endParaRPr lang="en-US" sz="2000" dirty="0"/>
           </a:p>
         </p:txBody>
       </p:sp>
-      <p:sp>
-        <p:nvSpPr>
-          <p:cNvPr id="4" name="Rectangle 3"/>
+      <p:pic>
+        <p:nvPicPr>
+          <p:cNvPr id="10" name="Picture 9"/>
+          <p:cNvPicPr>
+            <a:picLocks noChangeAspect="1"/>
+          </p:cNvPicPr>
+          <p:nvPr/>
+        </p:nvPicPr>
+        <p:blipFill rotWithShape="1">
+          <a:blip r:embed="rId2"/>
+          <a:srcRect t="13004" b="59713"/>
+          <a:stretch/>
+        </p:blipFill>
+        <p:spPr>
+          <a:xfrm>
+            <a:off x="392491" y="3898912"/>
+            <a:ext cx="4934639" cy="558799"/>
+          </a:xfrm>
+          <a:prstGeom prst="rect">
+            <a:avLst/>
+          </a:prstGeom>
+        </p:spPr>
+      </p:pic>
+      <p:sp>
+        <p:nvSpPr>
+          <p:cNvPr id="5" name="Rectangle 4"/>
           <p:cNvSpPr/>
           <p:nvPr/>
         </p:nvSpPr>
         <p:spPr>
           <a:xfrm>
-            <a:off x="327259" y="4371865"/>
-            <a:ext cx="5065105" cy="400110"/>
+            <a:off x="438150" y="4178311"/>
+            <a:ext cx="4888980" cy="279400"/>
           </a:xfrm>
           <a:prstGeom prst="rect">
             <a:avLst/>
           </a:prstGeom>
-        </p:spPr>
-        <p:txBody>
-          <a:bodyPr wrap="none">
-            <a:spAutoFit/>
-          </a:bodyPr>
-          <a:lstStyle/>
-          <a:p>
-            <a:r>
-              <a:rPr lang="fr-FR" sz="2000" dirty="0"/>
-              <a:t>Le fractionnement conservera les deux parties.</a:t>
-            </a:r>
-            <a:endParaRPr lang="en-US" sz="2000" dirty="0"/>
+          <a:solidFill>
+            <a:srgbClr val="FF0000">
+              <a:alpha val="12000"/>
+            </a:srgbClr>
+          </a:solidFill>
+          <a:ln>
+            <a:noFill/>
+          </a:ln>
+        </p:spPr>
+        <p:style>
+          <a:lnRef idx="2">
+            <a:schemeClr val="accent1">
+              <a:shade val="50000"/>
+            </a:schemeClr>
+          </a:lnRef>
+          <a:fillRef idx="1">
+            <a:schemeClr val="accent1"/>
+          </a:fillRef>
+          <a:effectRef idx="0">
+            <a:schemeClr val="accent1"/>
+          </a:effectRef>
+          <a:fontRef idx="minor">
+            <a:schemeClr val="lt1"/>
+          </a:fontRef>
+        </p:style>
+        <p:txBody>
+          <a:bodyPr rtlCol="0" anchor="ctr"/>
+          <a:lstStyle/>
+          <a:p>
+            <a:pPr algn="ctr"/>
+            <a:endParaRPr lang="en-US"/>
           </a:p>
         </p:txBody>
       </p:sp>
@@ -4299,6 +5763,237 @@
 </file>
 
 <file path=ppt/slides/slide4.xml><?xml version="1.0" encoding="utf-8"?>
+<p:sld xmlns:a="http://schemas.openxmlformats.org/drawingml/2006/main" xmlns:r="http://schemas.openxmlformats.org/officeDocument/2006/relationships" xmlns:p="http://schemas.openxmlformats.org/presentationml/2006/main">
+  <p:cSld>
+    <p:spTree>
+      <p:nvGrpSpPr>
+        <p:cNvPr id="1" name=""/>
+        <p:cNvGrpSpPr/>
+        <p:nvPr/>
+      </p:nvGrpSpPr>
+      <p:grpSpPr>
+        <a:xfrm>
+          <a:off x="0" y="0"/>
+          <a:ext cx="0" cy="0"/>
+          <a:chOff x="0" y="0"/>
+          <a:chExt cx="0" cy="0"/>
+        </a:xfrm>
+      </p:grpSpPr>
+      <p:sp>
+        <p:nvSpPr>
+          <p:cNvPr id="9" name="TextBox 8"/>
+          <p:cNvSpPr txBox="1"/>
+          <p:nvPr/>
+        </p:nvSpPr>
+        <p:spPr>
+          <a:xfrm flipH="1">
+            <a:off x="220005" y="281882"/>
+            <a:ext cx="2798202" cy="400110"/>
+          </a:xfrm>
+          <a:prstGeom prst="rect">
+            <a:avLst/>
+          </a:prstGeom>
+          <a:noFill/>
+        </p:spPr>
+        <p:txBody>
+          <a:bodyPr wrap="square" rtlCol="0">
+            <a:spAutoFit/>
+          </a:bodyPr>
+          <a:lstStyle/>
+          <a:p>
+            <a:r>
+              <a:rPr lang="fr-FR" sz="2000" b="1" dirty="0" smtClean="0">
+                <a:latin typeface="Segoe UI" panose="020B0502040204020203" pitchFamily="34" charset="0"/>
+                <a:cs typeface="Segoe UI" panose="020B0502040204020203" pitchFamily="34" charset="0"/>
+              </a:rPr>
+              <a:t>Les formes normales</a:t>
+            </a:r>
+            <a:endParaRPr lang="en-US" sz="2000" b="1" dirty="0">
+              <a:latin typeface="Segoe UI" panose="020B0502040204020203" pitchFamily="34" charset="0"/>
+              <a:cs typeface="Segoe UI" panose="020B0502040204020203" pitchFamily="34" charset="0"/>
+            </a:endParaRPr>
+          </a:p>
+        </p:txBody>
+      </p:sp>
+      <p:sp>
+        <p:nvSpPr>
+          <p:cNvPr id="3" name="Rectangle 2"/>
+          <p:cNvSpPr/>
+          <p:nvPr/>
+        </p:nvSpPr>
+        <p:spPr>
+          <a:xfrm>
+            <a:off x="262025" y="818779"/>
+            <a:ext cx="10975550" cy="707886"/>
+          </a:xfrm>
+          <a:prstGeom prst="rect">
+            <a:avLst/>
+          </a:prstGeom>
+        </p:spPr>
+        <p:txBody>
+          <a:bodyPr wrap="square">
+            <a:spAutoFit/>
+          </a:bodyPr>
+          <a:lstStyle/>
+          <a:p>
+            <a:r>
+              <a:rPr lang="fr-FR" sz="2000" dirty="0"/>
+              <a:t>Commencez avec la colonne </a:t>
+            </a:r>
+            <a:r>
+              <a:rPr lang="fr-FR" sz="2000" b="1" dirty="0"/>
+              <a:t>Locations</a:t>
+            </a:r>
+            <a:r>
+              <a:rPr lang="fr-FR" sz="2000" dirty="0"/>
+              <a:t> en effectuant un </a:t>
+            </a:r>
+            <a:r>
+              <a:rPr lang="fr-FR" sz="2000" b="1" dirty="0"/>
+              <a:t>Fractionner la colonne</a:t>
+            </a:r>
+            <a:r>
+              <a:rPr lang="fr-FR" sz="2000" dirty="0"/>
+              <a:t> avec la virgule comme délimiteur.</a:t>
+            </a:r>
+            <a:endParaRPr lang="en-US" sz="2000" dirty="0"/>
+          </a:p>
+        </p:txBody>
+      </p:sp>
+      <p:pic>
+        <p:nvPicPr>
+          <p:cNvPr id="7" name="Picture 6"/>
+          <p:cNvPicPr>
+            <a:picLocks noChangeAspect="1"/>
+          </p:cNvPicPr>
+          <p:nvPr/>
+        </p:nvPicPr>
+        <p:blipFill>
+          <a:blip r:embed="rId2"/>
+          <a:stretch>
+            <a:fillRect/>
+          </a:stretch>
+        </p:blipFill>
+        <p:spPr>
+          <a:xfrm>
+            <a:off x="2515962" y="1526665"/>
+            <a:ext cx="6188790" cy="4442157"/>
+          </a:xfrm>
+          <a:prstGeom prst="rect">
+            <a:avLst/>
+          </a:prstGeom>
+        </p:spPr>
+      </p:pic>
+      <p:sp>
+        <p:nvSpPr>
+          <p:cNvPr id="11" name="Rectangle 10"/>
+          <p:cNvSpPr/>
+          <p:nvPr/>
+        </p:nvSpPr>
+        <p:spPr>
+          <a:xfrm>
+            <a:off x="4679950" y="3892549"/>
+            <a:ext cx="2088630" cy="260361"/>
+          </a:xfrm>
+          <a:prstGeom prst="rect">
+            <a:avLst/>
+          </a:prstGeom>
+          <a:solidFill>
+            <a:srgbClr val="FF0000">
+              <a:alpha val="12000"/>
+            </a:srgbClr>
+          </a:solidFill>
+          <a:ln>
+            <a:noFill/>
+          </a:ln>
+        </p:spPr>
+        <p:style>
+          <a:lnRef idx="2">
+            <a:schemeClr val="accent1">
+              <a:shade val="50000"/>
+            </a:schemeClr>
+          </a:lnRef>
+          <a:fillRef idx="1">
+            <a:schemeClr val="accent1"/>
+          </a:fillRef>
+          <a:effectRef idx="0">
+            <a:schemeClr val="accent1"/>
+          </a:effectRef>
+          <a:fontRef idx="minor">
+            <a:schemeClr val="lt1"/>
+          </a:fontRef>
+        </p:style>
+        <p:txBody>
+          <a:bodyPr rtlCol="0" anchor="ctr"/>
+          <a:lstStyle/>
+          <a:p>
+            <a:pPr algn="ctr"/>
+            <a:endParaRPr lang="en-US"/>
+          </a:p>
+        </p:txBody>
+      </p:sp>
+      <p:sp>
+        <p:nvSpPr>
+          <p:cNvPr id="12" name="Rectangle 11"/>
+          <p:cNvSpPr/>
+          <p:nvPr/>
+        </p:nvSpPr>
+        <p:spPr>
+          <a:xfrm>
+            <a:off x="6768580" y="3892549"/>
+            <a:ext cx="1816620" cy="260360"/>
+          </a:xfrm>
+          <a:prstGeom prst="rect">
+            <a:avLst/>
+          </a:prstGeom>
+          <a:solidFill>
+            <a:srgbClr val="FF0000">
+              <a:alpha val="12000"/>
+            </a:srgbClr>
+          </a:solidFill>
+          <a:ln>
+            <a:noFill/>
+          </a:ln>
+        </p:spPr>
+        <p:style>
+          <a:lnRef idx="2">
+            <a:schemeClr val="accent1">
+              <a:shade val="50000"/>
+            </a:schemeClr>
+          </a:lnRef>
+          <a:fillRef idx="1">
+            <a:schemeClr val="accent1"/>
+          </a:fillRef>
+          <a:effectRef idx="0">
+            <a:schemeClr val="accent1"/>
+          </a:effectRef>
+          <a:fontRef idx="minor">
+            <a:schemeClr val="lt1"/>
+          </a:fontRef>
+        </p:style>
+        <p:txBody>
+          <a:bodyPr rtlCol="0" anchor="ctr"/>
+          <a:lstStyle/>
+          <a:p>
+            <a:pPr algn="ctr"/>
+            <a:endParaRPr lang="en-US"/>
+          </a:p>
+        </p:txBody>
+      </p:sp>
+    </p:spTree>
+    <p:extLst>
+      <p:ext uri="{BB962C8B-B14F-4D97-AF65-F5344CB8AC3E}">
+        <p14:creationId xmlns:p14="http://schemas.microsoft.com/office/powerpoint/2010/main" val="4003032678"/>
+      </p:ext>
+    </p:extLst>
+  </p:cSld>
+  <p:clrMapOvr>
+    <a:masterClrMapping/>
+  </p:clrMapOvr>
+</p:sld>
+</file>
+
+<file path=ppt/slides/slide5.xml><?xml version="1.0" encoding="utf-8"?>
 <p:sld xmlns:a="http://schemas.openxmlformats.org/drawingml/2006/main" xmlns:r="http://schemas.openxmlformats.org/officeDocument/2006/relationships" xmlns:p="http://schemas.openxmlformats.org/presentationml/2006/main">
   <p:cSld>
     <p:spTree>
@@ -4690,7 +6385,7 @@
 </p:sld>
 </file>
 
-<file path=ppt/slides/slide5.xml><?xml version="1.0" encoding="utf-8"?>
+<file path=ppt/slides/slide6.xml><?xml version="1.0" encoding="utf-8"?>
 <p:sld xmlns:a="http://schemas.openxmlformats.org/drawingml/2006/main" xmlns:r="http://schemas.openxmlformats.org/officeDocument/2006/relationships" xmlns:p="http://schemas.openxmlformats.org/presentationml/2006/main">
   <p:cSld>
     <p:spTree>
@@ -4832,7 +6527,7 @@
 </p:sld>
 </file>
 
-<file path=ppt/slides/slide6.xml><?xml version="1.0" encoding="utf-8"?>
+<file path=ppt/slides/slide7.xml><?xml version="1.0" encoding="utf-8"?>
 <p:sld xmlns:a="http://schemas.openxmlformats.org/drawingml/2006/main" xmlns:r="http://schemas.openxmlformats.org/officeDocument/2006/relationships" xmlns:p="http://schemas.openxmlformats.org/presentationml/2006/main">
   <p:cSld>
     <p:spTree>
@@ -4895,8 +6590,8 @@
         </p:nvSpPr>
         <p:spPr bwMode="auto">
           <a:xfrm>
-            <a:off x="302508" y="953504"/>
-            <a:ext cx="10347158" cy="3785652"/>
+            <a:off x="302508" y="900025"/>
+            <a:ext cx="10347158" cy="400110"/>
           </a:xfrm>
           <a:prstGeom prst="rect">
             <a:avLst/>
@@ -4999,22 +6694,6 @@
               </a:rPr>
               <a:t>.</a:t>
             </a:r>
-          </a:p>
-          <a:p>
-            <a:pPr marL="0" marR="0" lvl="0" indent="0" algn="l" defTabSz="914400" rtl="0" eaLnBrk="0" fontAlgn="base" latinLnBrk="0" hangingPunct="0">
-              <a:lnSpc>
-                <a:spcPct val="100000"/>
-              </a:lnSpc>
-              <a:spcBef>
-                <a:spcPct val="0"/>
-              </a:spcBef>
-              <a:spcAft>
-                <a:spcPct val="0"/>
-              </a:spcAft>
-              <a:buClrTx/>
-              <a:buSzTx/>
-              <a:tabLst/>
-            </a:pPr>
             <a:endParaRPr kumimoji="0" lang="fr-FR" altLang="en-US" sz="2000" b="0" i="0" u="none" strike="noStrike" cap="none" normalizeH="0" baseline="0" dirty="0" smtClean="0">
               <a:ln>
                 <a:noFill/>
@@ -5026,744 +6705,36 @@
               <a:latin typeface="Arial" panose="020B0604020202020204" pitchFamily="34" charset="0"/>
             </a:endParaRPr>
           </a:p>
-          <a:p>
-            <a:pPr marL="0" marR="0" lvl="0" indent="0" algn="l" defTabSz="914400" rtl="0" eaLnBrk="0" fontAlgn="base" latinLnBrk="0" hangingPunct="0">
-              <a:lnSpc>
-                <a:spcPct val="100000"/>
-              </a:lnSpc>
-              <a:spcBef>
-                <a:spcPct val="0"/>
-              </a:spcBef>
-              <a:spcAft>
-                <a:spcPct val="0"/>
-              </a:spcAft>
-              <a:buClrTx/>
-              <a:buSzTx/>
-              <a:buFontTx/>
-              <a:buChar char="•"/>
-              <a:tabLst/>
-            </a:pPr>
-            <a:r>
-              <a:rPr kumimoji="0" lang="fr-FR" altLang="en-US" sz="2000" b="1" i="0" u="none" strike="noStrike" cap="none" normalizeH="0" baseline="0" dirty="0" smtClean="0">
-                <a:ln>
-                  <a:noFill/>
-                </a:ln>
-                <a:solidFill>
-                  <a:schemeClr val="tx1"/>
-                </a:solidFill>
-                <a:effectLst/>
-                <a:latin typeface="Arial" panose="020B0604020202020204" pitchFamily="34" charset="0"/>
-              </a:rPr>
-              <a:t>Dupliquez la table 1NF</a:t>
-            </a:r>
-            <a:r>
-              <a:rPr kumimoji="0" lang="fr-FR" altLang="en-US" sz="2000" b="0" i="0" u="none" strike="noStrike" cap="none" normalizeH="0" baseline="0" dirty="0" smtClean="0">
-                <a:ln>
-                  <a:noFill/>
-                </a:ln>
-                <a:solidFill>
-                  <a:schemeClr val="tx1"/>
-                </a:solidFill>
-                <a:effectLst/>
-                <a:latin typeface="Arial" panose="020B0604020202020204" pitchFamily="34" charset="0"/>
-              </a:rPr>
-              <a:t> et renommez-la </a:t>
-            </a:r>
-            <a:r>
-              <a:rPr kumimoji="0" lang="fr-FR" altLang="en-US" sz="2000" b="1" i="0" u="none" strike="noStrike" cap="none" normalizeH="0" baseline="0" dirty="0" smtClean="0">
-                <a:ln>
-                  <a:noFill/>
-                </a:ln>
-                <a:solidFill>
-                  <a:schemeClr val="tx1"/>
-                </a:solidFill>
-                <a:effectLst/>
-                <a:latin typeface="Arial" panose="020B0604020202020204" pitchFamily="34" charset="0"/>
-              </a:rPr>
-              <a:t>Sales</a:t>
-            </a:r>
-            <a:r>
-              <a:rPr kumimoji="0" lang="fr-FR" altLang="en-US" sz="2000" b="0" i="0" u="none" strike="noStrike" cap="none" normalizeH="0" baseline="0" dirty="0" smtClean="0">
-                <a:ln>
-                  <a:noFill/>
-                </a:ln>
-                <a:solidFill>
-                  <a:schemeClr val="tx1"/>
-                </a:solidFill>
-                <a:effectLst/>
-                <a:latin typeface="Arial" panose="020B0604020202020204" pitchFamily="34" charset="0"/>
-              </a:rPr>
-              <a:t>.</a:t>
-            </a:r>
-          </a:p>
-          <a:p>
-            <a:pPr marL="0" marR="0" lvl="0" indent="0" algn="l" defTabSz="914400" rtl="0" eaLnBrk="0" fontAlgn="base" latinLnBrk="0" hangingPunct="0">
-              <a:lnSpc>
-                <a:spcPct val="100000"/>
-              </a:lnSpc>
-              <a:spcBef>
-                <a:spcPct val="0"/>
-              </a:spcBef>
-              <a:spcAft>
-                <a:spcPct val="0"/>
-              </a:spcAft>
-              <a:buClrTx/>
-              <a:buSzTx/>
-              <a:tabLst/>
-            </a:pPr>
-            <a:endParaRPr kumimoji="0" lang="fr-FR" altLang="en-US" sz="2000" b="0" i="0" u="none" strike="noStrike" cap="none" normalizeH="0" baseline="0" dirty="0" smtClean="0">
-              <a:ln>
-                <a:noFill/>
-              </a:ln>
-              <a:solidFill>
-                <a:schemeClr val="tx1"/>
-              </a:solidFill>
-              <a:effectLst/>
-              <a:latin typeface="Arial" panose="020B0604020202020204" pitchFamily="34" charset="0"/>
-            </a:endParaRPr>
-          </a:p>
-          <a:p>
-            <a:pPr marL="0" marR="0" lvl="0" indent="0" algn="l" defTabSz="914400" rtl="0" eaLnBrk="0" fontAlgn="base" latinLnBrk="0" hangingPunct="0">
-              <a:lnSpc>
-                <a:spcPct val="100000"/>
-              </a:lnSpc>
-              <a:spcBef>
-                <a:spcPct val="0"/>
-              </a:spcBef>
-              <a:spcAft>
-                <a:spcPct val="0"/>
-              </a:spcAft>
-              <a:buClrTx/>
-              <a:buSzTx/>
-              <a:buFontTx/>
-              <a:buChar char="•"/>
-              <a:tabLst/>
-            </a:pPr>
-            <a:r>
-              <a:rPr kumimoji="0" lang="fr-FR" altLang="en-US" sz="2000" b="1" i="0" u="none" strike="noStrike" cap="none" normalizeH="0" baseline="0" dirty="0" smtClean="0">
-                <a:ln>
-                  <a:noFill/>
-                </a:ln>
-                <a:solidFill>
-                  <a:schemeClr val="tx1"/>
-                </a:solidFill>
-                <a:effectLst/>
-                <a:latin typeface="Arial" panose="020B0604020202020204" pitchFamily="34" charset="0"/>
-              </a:rPr>
-              <a:t>Supprimez toutes les colonnes</a:t>
-            </a:r>
-            <a:r>
-              <a:rPr kumimoji="0" lang="fr-FR" altLang="en-US" sz="2000" b="0" i="0" u="none" strike="noStrike" cap="none" normalizeH="0" baseline="0" dirty="0" smtClean="0">
-                <a:ln>
-                  <a:noFill/>
-                </a:ln>
-                <a:solidFill>
-                  <a:schemeClr val="tx1"/>
-                </a:solidFill>
-                <a:effectLst/>
-                <a:latin typeface="Arial" panose="020B0604020202020204" pitchFamily="34" charset="0"/>
-              </a:rPr>
-              <a:t> sauf la colonne </a:t>
-            </a:r>
-            <a:r>
-              <a:rPr kumimoji="0" lang="fr-FR" altLang="en-US" sz="2000" b="1" i="0" u="none" strike="noStrike" cap="none" normalizeH="0" baseline="0" dirty="0" smtClean="0">
-                <a:ln>
-                  <a:noFill/>
-                </a:ln>
-                <a:solidFill>
-                  <a:schemeClr val="tx1"/>
-                </a:solidFill>
-                <a:effectLst/>
-                <a:latin typeface="Arial" panose="020B0604020202020204" pitchFamily="34" charset="0"/>
-              </a:rPr>
-              <a:t>Sales</a:t>
-            </a:r>
-            <a:r>
-              <a:rPr kumimoji="0" lang="fr-FR" altLang="en-US" sz="2000" b="0" i="0" u="none" strike="noStrike" cap="none" normalizeH="0" baseline="0" dirty="0" smtClean="0">
-                <a:ln>
-                  <a:noFill/>
-                </a:ln>
-                <a:solidFill>
-                  <a:schemeClr val="tx1"/>
-                </a:solidFill>
-                <a:effectLst/>
-                <a:latin typeface="Arial" panose="020B0604020202020204" pitchFamily="34" charset="0"/>
-              </a:rPr>
-              <a:t>.</a:t>
-            </a:r>
-          </a:p>
-          <a:p>
-            <a:pPr marL="0" marR="0" lvl="0" indent="0" algn="l" defTabSz="914400" rtl="0" eaLnBrk="0" fontAlgn="base" latinLnBrk="0" hangingPunct="0">
-              <a:lnSpc>
-                <a:spcPct val="100000"/>
-              </a:lnSpc>
-              <a:spcBef>
-                <a:spcPct val="0"/>
-              </a:spcBef>
-              <a:spcAft>
-                <a:spcPct val="0"/>
-              </a:spcAft>
-              <a:buClrTx/>
-              <a:buSzTx/>
-              <a:tabLst/>
-            </a:pPr>
-            <a:endParaRPr kumimoji="0" lang="fr-FR" altLang="en-US" sz="2000" b="0" i="0" u="none" strike="noStrike" cap="none" normalizeH="0" baseline="0" dirty="0" smtClean="0">
-              <a:ln>
-                <a:noFill/>
-              </a:ln>
-              <a:solidFill>
-                <a:schemeClr val="tx1"/>
-              </a:solidFill>
-              <a:effectLst/>
-              <a:latin typeface="Arial" panose="020B0604020202020204" pitchFamily="34" charset="0"/>
-            </a:endParaRPr>
-          </a:p>
-          <a:p>
-            <a:pPr marL="0" marR="0" lvl="0" indent="0" algn="l" defTabSz="914400" rtl="0" eaLnBrk="0" fontAlgn="base" latinLnBrk="0" hangingPunct="0">
-              <a:lnSpc>
-                <a:spcPct val="100000"/>
-              </a:lnSpc>
-              <a:spcBef>
-                <a:spcPct val="0"/>
-              </a:spcBef>
-              <a:spcAft>
-                <a:spcPct val="0"/>
-              </a:spcAft>
-              <a:buClrTx/>
-              <a:buSzTx/>
-              <a:buFontTx/>
-              <a:buChar char="•"/>
-              <a:tabLst/>
-            </a:pPr>
-            <a:r>
-              <a:rPr kumimoji="0" lang="fr-FR" altLang="en-US" sz="2000" b="1" i="0" u="none" strike="noStrike" cap="none" normalizeH="0" baseline="0" dirty="0" smtClean="0">
-                <a:ln>
-                  <a:noFill/>
-                </a:ln>
-                <a:solidFill>
-                  <a:schemeClr val="tx1"/>
-                </a:solidFill>
-                <a:effectLst/>
-                <a:latin typeface="Arial" panose="020B0604020202020204" pitchFamily="34" charset="0"/>
-              </a:rPr>
-              <a:t>Ajoutez une colonne d'index basée sur 0</a:t>
-            </a:r>
-            <a:r>
-              <a:rPr kumimoji="0" lang="fr-FR" altLang="en-US" sz="2000" b="0" i="0" u="none" strike="noStrike" cap="none" normalizeH="0" baseline="0" dirty="0" smtClean="0">
-                <a:ln>
-                  <a:noFill/>
-                </a:ln>
-                <a:solidFill>
-                  <a:schemeClr val="tx1"/>
-                </a:solidFill>
-                <a:effectLst/>
-                <a:latin typeface="Arial" panose="020B0604020202020204" pitchFamily="34" charset="0"/>
-              </a:rPr>
-              <a:t> en utilisant la fonctionnalité </a:t>
-            </a:r>
-          </a:p>
-          <a:p>
-            <a:pPr marL="0" marR="0" lvl="0" indent="0" algn="l" defTabSz="914400" rtl="0" eaLnBrk="0" fontAlgn="base" latinLnBrk="0" hangingPunct="0">
-              <a:lnSpc>
-                <a:spcPct val="100000"/>
-              </a:lnSpc>
-              <a:spcBef>
-                <a:spcPct val="0"/>
-              </a:spcBef>
-              <a:spcAft>
-                <a:spcPct val="0"/>
-              </a:spcAft>
-              <a:buClrTx/>
-              <a:buSzTx/>
-              <a:tabLst/>
-            </a:pPr>
-            <a:r>
-              <a:rPr lang="fr-FR" altLang="en-US" sz="2000" dirty="0" smtClean="0">
-                <a:latin typeface="Arial" panose="020B0604020202020204" pitchFamily="34" charset="0"/>
-              </a:rPr>
-              <a:t> </a:t>
-            </a:r>
-            <a:r>
-              <a:rPr kumimoji="0" lang="fr-FR" altLang="en-US" sz="2000" b="1" i="0" u="none" strike="noStrike" cap="none" normalizeH="0" baseline="0" dirty="0" smtClean="0">
-                <a:ln>
-                  <a:noFill/>
-                </a:ln>
-                <a:solidFill>
-                  <a:schemeClr val="tx1"/>
-                </a:solidFill>
-                <a:effectLst/>
-                <a:latin typeface="Arial" panose="020B0604020202020204" pitchFamily="34" charset="0"/>
-              </a:rPr>
-              <a:t>Colonne d'index</a:t>
-            </a:r>
-            <a:r>
-              <a:rPr kumimoji="0" lang="fr-FR" altLang="en-US" sz="2000" b="0" i="0" u="none" strike="noStrike" cap="none" normalizeH="0" baseline="0" dirty="0" smtClean="0">
-                <a:ln>
-                  <a:noFill/>
-                </a:ln>
-                <a:solidFill>
-                  <a:schemeClr val="tx1"/>
-                </a:solidFill>
-                <a:effectLst/>
-                <a:latin typeface="Arial" panose="020B0604020202020204" pitchFamily="34" charset="0"/>
-              </a:rPr>
-              <a:t> de l'onglet </a:t>
-            </a:r>
-            <a:r>
-              <a:rPr kumimoji="0" lang="fr-FR" altLang="en-US" sz="2000" b="1" i="0" u="none" strike="noStrike" cap="none" normalizeH="0" baseline="0" dirty="0" smtClean="0">
-                <a:ln>
-                  <a:noFill/>
-                </a:ln>
-                <a:solidFill>
-                  <a:schemeClr val="tx1"/>
-                </a:solidFill>
-                <a:effectLst/>
-                <a:latin typeface="Arial" panose="020B0604020202020204" pitchFamily="34" charset="0"/>
-              </a:rPr>
-              <a:t>Ajouter une colonne</a:t>
-            </a:r>
-            <a:r>
-              <a:rPr kumimoji="0" lang="fr-FR" altLang="en-US" sz="2000" b="0" i="0" u="none" strike="noStrike" cap="none" normalizeH="0" baseline="0" dirty="0" smtClean="0">
-                <a:ln>
-                  <a:noFill/>
-                </a:ln>
-                <a:solidFill>
-                  <a:schemeClr val="tx1"/>
-                </a:solidFill>
-                <a:effectLst/>
-                <a:latin typeface="Arial" panose="020B0604020202020204" pitchFamily="34" charset="0"/>
-              </a:rPr>
-              <a:t>.</a:t>
-            </a:r>
-          </a:p>
-          <a:p>
-            <a:pPr marL="0" marR="0" lvl="0" indent="0" algn="l" defTabSz="914400" rtl="0" eaLnBrk="0" fontAlgn="base" latinLnBrk="0" hangingPunct="0">
-              <a:lnSpc>
-                <a:spcPct val="100000"/>
-              </a:lnSpc>
-              <a:spcBef>
-                <a:spcPct val="0"/>
-              </a:spcBef>
-              <a:spcAft>
-                <a:spcPct val="0"/>
-              </a:spcAft>
-              <a:buClrTx/>
-              <a:buSzTx/>
-              <a:tabLst/>
-            </a:pPr>
-            <a:endParaRPr kumimoji="0" lang="fr-FR" altLang="en-US" sz="2000" b="0" i="0" u="none" strike="noStrike" cap="none" normalizeH="0" baseline="0" dirty="0" smtClean="0">
-              <a:ln>
-                <a:noFill/>
-              </a:ln>
-              <a:solidFill>
-                <a:schemeClr val="tx1"/>
-              </a:solidFill>
-              <a:effectLst/>
-              <a:latin typeface="Arial" panose="020B0604020202020204" pitchFamily="34" charset="0"/>
-            </a:endParaRPr>
-          </a:p>
-          <a:p>
-            <a:pPr marL="0" marR="0" lvl="0" indent="0" algn="l" defTabSz="914400" rtl="0" eaLnBrk="0" fontAlgn="base" latinLnBrk="0" hangingPunct="0">
-              <a:lnSpc>
-                <a:spcPct val="100000"/>
-              </a:lnSpc>
-              <a:spcBef>
-                <a:spcPct val="0"/>
-              </a:spcBef>
-              <a:spcAft>
-                <a:spcPct val="0"/>
-              </a:spcAft>
-              <a:buClrTx/>
-              <a:buSzTx/>
-              <a:buFontTx/>
-              <a:buChar char="•"/>
-              <a:tabLst/>
-            </a:pPr>
-            <a:r>
-              <a:rPr kumimoji="0" lang="fr-FR" altLang="en-US" sz="2000" b="1" i="0" u="none" strike="noStrike" cap="none" normalizeH="0" baseline="0" dirty="0" smtClean="0">
-                <a:ln>
-                  <a:noFill/>
-                </a:ln>
-                <a:solidFill>
-                  <a:schemeClr val="tx1"/>
-                </a:solidFill>
-                <a:effectLst/>
-                <a:latin typeface="Arial" panose="020B0604020202020204" pitchFamily="34" charset="0"/>
-              </a:rPr>
-              <a:t>Déplacez la colonne d'index</a:t>
-            </a:r>
-            <a:r>
-              <a:rPr kumimoji="0" lang="fr-FR" altLang="en-US" sz="2000" b="0" i="0" u="none" strike="noStrike" cap="none" normalizeH="0" baseline="0" dirty="0" smtClean="0">
-                <a:ln>
-                  <a:noFill/>
-                </a:ln>
-                <a:solidFill>
-                  <a:schemeClr val="tx1"/>
-                </a:solidFill>
-                <a:effectLst/>
-                <a:latin typeface="Arial" panose="020B0604020202020204" pitchFamily="34" charset="0"/>
-              </a:rPr>
-              <a:t> en première position.</a:t>
-            </a:r>
-          </a:p>
-          <a:p>
-            <a:pPr marL="0" marR="0" lvl="0" indent="0" algn="l" defTabSz="914400" rtl="0" eaLnBrk="0" fontAlgn="base" latinLnBrk="0" hangingPunct="0">
-              <a:lnSpc>
-                <a:spcPct val="100000"/>
-              </a:lnSpc>
-              <a:spcBef>
-                <a:spcPct val="0"/>
-              </a:spcBef>
-              <a:spcAft>
-                <a:spcPct val="0"/>
-              </a:spcAft>
-              <a:buClrTx/>
-              <a:buSzTx/>
-              <a:buFontTx/>
-              <a:buChar char="•"/>
-              <a:tabLst/>
-            </a:pPr>
-            <a:endParaRPr kumimoji="0" lang="fr-FR" altLang="en-US" sz="2000" b="0" i="0" u="none" strike="noStrike" cap="none" normalizeH="0" baseline="0" dirty="0" smtClean="0">
-              <a:ln>
-                <a:noFill/>
-              </a:ln>
-              <a:solidFill>
-                <a:schemeClr val="tx1"/>
-              </a:solidFill>
-              <a:effectLst/>
-              <a:latin typeface="Arial" panose="020B0604020202020204" pitchFamily="34" charset="0"/>
-            </a:endParaRPr>
-          </a:p>
-          <a:p>
-            <a:pPr marL="0" marR="0" lvl="0" indent="0" algn="l" defTabSz="914400" rtl="0" eaLnBrk="0" fontAlgn="base" latinLnBrk="0" hangingPunct="0">
-              <a:lnSpc>
-                <a:spcPct val="100000"/>
-              </a:lnSpc>
-              <a:spcBef>
-                <a:spcPct val="0"/>
-              </a:spcBef>
-              <a:spcAft>
-                <a:spcPct val="0"/>
-              </a:spcAft>
-              <a:buClrTx/>
-              <a:buSzTx/>
-              <a:buFontTx/>
-              <a:buChar char="•"/>
-              <a:tabLst/>
-            </a:pPr>
-            <a:r>
-              <a:rPr kumimoji="0" lang="fr-FR" altLang="en-US" sz="2000" b="1" i="0" u="none" strike="noStrike" cap="none" normalizeH="0" baseline="0" dirty="0" smtClean="0">
-                <a:ln>
-                  <a:noFill/>
-                </a:ln>
-                <a:solidFill>
-                  <a:schemeClr val="tx1"/>
-                </a:solidFill>
-                <a:effectLst/>
-                <a:latin typeface="Arial" panose="020B0604020202020204" pitchFamily="34" charset="0"/>
-              </a:rPr>
-              <a:t>Retournez à la table 1NF</a:t>
-            </a:r>
-            <a:r>
-              <a:rPr kumimoji="0" lang="fr-FR" altLang="en-US" sz="2000" b="0" i="0" u="none" strike="noStrike" cap="none" normalizeH="0" baseline="0" dirty="0" smtClean="0">
-                <a:ln>
-                  <a:noFill/>
-                </a:ln>
-                <a:solidFill>
-                  <a:schemeClr val="tx1"/>
-                </a:solidFill>
-                <a:effectLst/>
-                <a:latin typeface="Arial" panose="020B0604020202020204" pitchFamily="34" charset="0"/>
-              </a:rPr>
-              <a:t> et ajoutez une colonne d’index de la même manière. </a:t>
-            </a:r>
-          </a:p>
-        </p:txBody>
-      </p:sp>
-    </p:spTree>
-    <p:extLst>
-      <p:ext uri="{BB962C8B-B14F-4D97-AF65-F5344CB8AC3E}">
-        <p14:creationId xmlns:p14="http://schemas.microsoft.com/office/powerpoint/2010/main" val="1144522105"/>
-      </p:ext>
-    </p:extLst>
-  </p:cSld>
-  <p:clrMapOvr>
-    <a:masterClrMapping/>
-  </p:clrMapOvr>
-</p:sld>
-</file>
-
-<file path=ppt/slides/slide7.xml><?xml version="1.0" encoding="utf-8"?>
-<p:sld xmlns:a="http://schemas.openxmlformats.org/drawingml/2006/main" xmlns:r="http://schemas.openxmlformats.org/officeDocument/2006/relationships" xmlns:p="http://schemas.openxmlformats.org/presentationml/2006/main">
-  <p:cSld>
-    <p:spTree>
-      <p:nvGrpSpPr>
-        <p:cNvPr id="1" name=""/>
-        <p:cNvGrpSpPr/>
-        <p:nvPr/>
-      </p:nvGrpSpPr>
-      <p:grpSpPr>
-        <a:xfrm>
-          <a:off x="0" y="0"/>
-          <a:ext cx="0" cy="0"/>
-          <a:chOff x="0" y="0"/>
-          <a:chExt cx="0" cy="0"/>
-        </a:xfrm>
-      </p:grpSpPr>
+        </p:txBody>
+      </p:sp>
       <p:pic>
         <p:nvPicPr>
-          <p:cNvPr id="4" name="Picture 3"/>
-          <p:cNvPicPr/>
+          <p:cNvPr id="2" name="Picture 1"/>
+          <p:cNvPicPr>
+            <a:picLocks noChangeAspect="1"/>
+          </p:cNvPicPr>
           <p:nvPr/>
         </p:nvPicPr>
         <p:blipFill>
-          <a:blip r:embed="rId2">
-            <a:extLst>
-              <a:ext uri="{28A0092B-C50C-407E-A947-70E740481C1C}">
-                <a14:useLocalDpi xmlns:a14="http://schemas.microsoft.com/office/drawing/2010/main" val="0"/>
-              </a:ext>
-            </a:extLst>
-          </a:blip>
-          <a:srcRect/>
+          <a:blip r:embed="rId2"/>
           <a:stretch>
             <a:fillRect/>
           </a:stretch>
         </p:blipFill>
-        <p:spPr bwMode="auto">
-          <a:xfrm>
-            <a:off x="340633" y="863726"/>
-            <a:ext cx="6039541" cy="2532617"/>
+        <p:spPr>
+          <a:xfrm>
+            <a:off x="515952" y="1397000"/>
+            <a:ext cx="4419928" cy="4720311"/>
           </a:xfrm>
           <a:prstGeom prst="rect">
             <a:avLst/>
           </a:prstGeom>
-          <a:ln>
-            <a:noFill/>
-          </a:ln>
-          <a:effectLst>
-            <a:outerShdw blurRad="292100" dist="139700" dir="2700000" algn="tl" rotWithShape="0">
-              <a:srgbClr val="333333">
-                <a:alpha val="65000"/>
-              </a:srgbClr>
-            </a:outerShdw>
-          </a:effectLst>
         </p:spPr>
       </p:pic>
-      <p:sp>
-        <p:nvSpPr>
-          <p:cNvPr id="5" name="Rectangle 4"/>
-          <p:cNvSpPr/>
-          <p:nvPr/>
-        </p:nvSpPr>
-        <p:spPr>
-          <a:xfrm>
-            <a:off x="394177" y="3679251"/>
-            <a:ext cx="9375464" cy="2375779"/>
-          </a:xfrm>
-          <a:prstGeom prst="rect">
-            <a:avLst/>
-          </a:prstGeom>
-        </p:spPr>
-        <p:txBody>
-          <a:bodyPr wrap="square">
-            <a:spAutoFit/>
-          </a:bodyPr>
-          <a:lstStyle/>
-          <a:p>
-            <a:pPr marL="171450">
-              <a:lnSpc>
-                <a:spcPct val="107000"/>
-              </a:lnSpc>
-              <a:spcAft>
-                <a:spcPts val="800"/>
-              </a:spcAft>
-            </a:pPr>
-            <a:r>
-              <a:rPr lang="fr-FR" sz="2000" dirty="0" smtClean="0">
-                <a:latin typeface="Segoe UI" panose="020B0502040204020203" pitchFamily="34" charset="0"/>
-                <a:ea typeface="Calibri" panose="020F0502020204030204" pitchFamily="34" charset="0"/>
-                <a:cs typeface="Times New Roman" panose="02020603050405020304" pitchFamily="18" charset="0"/>
-              </a:rPr>
-              <a:t>La quatrième forme normale non respectée</a:t>
-            </a:r>
-          </a:p>
-          <a:p>
-            <a:pPr lvl="1" eaLnBrk="0" fontAlgn="base" hangingPunct="0">
-              <a:spcBef>
-                <a:spcPct val="0"/>
-              </a:spcBef>
-              <a:spcAft>
-                <a:spcPct val="0"/>
-              </a:spcAft>
-            </a:pPr>
-            <a:r>
-              <a:rPr lang="fr-FR" altLang="en-US" sz="2000" dirty="0" smtClean="0">
-                <a:latin typeface="Arial" panose="020B0604020202020204" pitchFamily="34" charset="0"/>
-              </a:rPr>
-              <a:t>Supprimez la table </a:t>
-            </a:r>
-            <a:r>
-              <a:rPr lang="fr-FR" altLang="en-US" sz="2000" b="1" dirty="0" smtClean="0">
-                <a:latin typeface="Arial" panose="020B0604020202020204" pitchFamily="34" charset="0"/>
-              </a:rPr>
-              <a:t>1NF</a:t>
-            </a:r>
-          </a:p>
-          <a:p>
-            <a:pPr lvl="1" eaLnBrk="0" fontAlgn="base" hangingPunct="0">
-              <a:spcBef>
-                <a:spcPct val="0"/>
-              </a:spcBef>
-              <a:spcAft>
-                <a:spcPct val="0"/>
-              </a:spcAft>
-            </a:pPr>
-            <a:r>
-              <a:rPr lang="fr-FR" altLang="en-US" sz="2000" dirty="0" smtClean="0">
-                <a:latin typeface="Arial" panose="020B0604020202020204" pitchFamily="34" charset="0"/>
-              </a:rPr>
-              <a:t>Dupliquez la table Sales et renommez la nouvelle table </a:t>
-            </a:r>
-            <a:r>
-              <a:rPr lang="fr-FR" altLang="en-US" sz="2000" b="1" dirty="0" err="1" smtClean="0">
-                <a:latin typeface="Arial" panose="020B0604020202020204" pitchFamily="34" charset="0"/>
-              </a:rPr>
-              <a:t>Customers</a:t>
-            </a:r>
-            <a:endParaRPr lang="fr-FR" altLang="en-US" sz="2000" dirty="0" smtClean="0">
-              <a:latin typeface="Arial" panose="020B0604020202020204" pitchFamily="34" charset="0"/>
-            </a:endParaRPr>
-          </a:p>
-          <a:p>
-            <a:pPr lvl="1" eaLnBrk="0" fontAlgn="base" hangingPunct="0">
-              <a:spcBef>
-                <a:spcPct val="0"/>
-              </a:spcBef>
-              <a:spcAft>
-                <a:spcPct val="0"/>
-              </a:spcAft>
-            </a:pPr>
-            <a:r>
-              <a:rPr lang="fr-FR" altLang="en-US" sz="2000" dirty="0" smtClean="0">
-                <a:latin typeface="Arial" panose="020B0604020202020204" pitchFamily="34" charset="0"/>
-              </a:rPr>
-              <a:t>Gardez uniquement la colonne</a:t>
-            </a:r>
-            <a:r>
-              <a:rPr lang="fr-FR" altLang="en-US" sz="2000" b="1" dirty="0" smtClean="0">
-                <a:latin typeface="Arial" panose="020B0604020202020204" pitchFamily="34" charset="0"/>
-              </a:rPr>
-              <a:t> Customer</a:t>
-            </a:r>
-            <a:r>
-              <a:rPr lang="fr-FR" altLang="en-US" sz="2000" dirty="0" smtClean="0">
-                <a:latin typeface="Arial" panose="020B0604020202020204" pitchFamily="34" charset="0"/>
-              </a:rPr>
-              <a:t> et </a:t>
-            </a:r>
-            <a:r>
-              <a:rPr lang="fr-FR" altLang="en-US" sz="2000" b="1" dirty="0" smtClean="0">
-                <a:latin typeface="Arial" panose="020B0604020202020204" pitchFamily="34" charset="0"/>
-              </a:rPr>
-              <a:t>supprimez le reste</a:t>
-            </a:r>
-            <a:endParaRPr lang="fr-FR" altLang="en-US" sz="2000" dirty="0" smtClean="0">
-              <a:latin typeface="Arial" panose="020B0604020202020204" pitchFamily="34" charset="0"/>
-            </a:endParaRPr>
-          </a:p>
-          <a:p>
-            <a:pPr lvl="1" eaLnBrk="0" fontAlgn="base" hangingPunct="0">
-              <a:spcBef>
-                <a:spcPct val="0"/>
-              </a:spcBef>
-              <a:spcAft>
-                <a:spcPct val="0"/>
-              </a:spcAft>
-            </a:pPr>
-            <a:r>
-              <a:rPr lang="fr-FR" altLang="en-US" sz="2000" dirty="0" smtClean="0">
-                <a:latin typeface="Arial" panose="020B0604020202020204" pitchFamily="34" charset="0"/>
-              </a:rPr>
-              <a:t>Supprimez les doublons dans la colonne </a:t>
-            </a:r>
-            <a:r>
-              <a:rPr lang="fr-FR" altLang="en-US" sz="2000" b="1" dirty="0" smtClean="0">
-                <a:latin typeface="Arial" panose="020B0604020202020204" pitchFamily="34" charset="0"/>
-              </a:rPr>
-              <a:t>Customer</a:t>
-            </a:r>
-            <a:r>
-              <a:rPr lang="fr-FR" altLang="en-US" sz="2000" dirty="0" smtClean="0">
-                <a:latin typeface="Arial" panose="020B0604020202020204" pitchFamily="34" charset="0"/>
-              </a:rPr>
-              <a:t> et ajoutez une colonne d’index </a:t>
-            </a:r>
-          </a:p>
-          <a:p>
-            <a:pPr marL="171450">
-              <a:lnSpc>
-                <a:spcPct val="107000"/>
-              </a:lnSpc>
-              <a:spcAft>
-                <a:spcPts val="800"/>
-              </a:spcAft>
-            </a:pPr>
-            <a:r>
-              <a:rPr lang="fr-FR" sz="2000" dirty="0" smtClean="0">
-                <a:latin typeface="Segoe UI" panose="020B0502040204020203" pitchFamily="34" charset="0"/>
-                <a:ea typeface="Calibri" panose="020F0502020204030204" pitchFamily="34" charset="0"/>
-                <a:cs typeface="Times New Roman" panose="02020603050405020304" pitchFamily="18" charset="0"/>
-              </a:rPr>
-              <a:t> </a:t>
-            </a:r>
-            <a:endParaRPr lang="en-US" sz="2000" dirty="0">
-              <a:latin typeface="Calibri" panose="020F0502020204030204" pitchFamily="34" charset="0"/>
-              <a:ea typeface="Calibri" panose="020F0502020204030204" pitchFamily="34" charset="0"/>
-              <a:cs typeface="Times New Roman" panose="02020603050405020304" pitchFamily="18" charset="0"/>
-            </a:endParaRPr>
-          </a:p>
-        </p:txBody>
-      </p:sp>
-      <p:sp>
-        <p:nvSpPr>
-          <p:cNvPr id="6" name="TextBox 5"/>
-          <p:cNvSpPr txBox="1"/>
-          <p:nvPr/>
-        </p:nvSpPr>
-        <p:spPr>
-          <a:xfrm flipH="1">
-            <a:off x="220005" y="281882"/>
-            <a:ext cx="2798202" cy="400110"/>
-          </a:xfrm>
-          <a:prstGeom prst="rect">
-            <a:avLst/>
-          </a:prstGeom>
-          <a:noFill/>
-        </p:spPr>
-        <p:txBody>
-          <a:bodyPr wrap="square" rtlCol="0">
-            <a:spAutoFit/>
-          </a:bodyPr>
-          <a:lstStyle/>
-          <a:p>
-            <a:r>
-              <a:rPr lang="fr-FR" sz="2000" b="1" dirty="0" smtClean="0">
-                <a:latin typeface="Segoe UI" panose="020B0502040204020203" pitchFamily="34" charset="0"/>
-                <a:cs typeface="Segoe UI" panose="020B0502040204020203" pitchFamily="34" charset="0"/>
-              </a:rPr>
-              <a:t>Les formes normales</a:t>
-            </a:r>
-            <a:endParaRPr lang="en-US" sz="2000" b="1" dirty="0">
-              <a:latin typeface="Segoe UI" panose="020B0502040204020203" pitchFamily="34" charset="0"/>
-              <a:cs typeface="Segoe UI" panose="020B0502040204020203" pitchFamily="34" charset="0"/>
-            </a:endParaRPr>
-          </a:p>
-        </p:txBody>
-      </p:sp>
     </p:spTree>
     <p:extLst>
       <p:ext uri="{BB962C8B-B14F-4D97-AF65-F5344CB8AC3E}">
-        <p14:creationId xmlns:p14="http://schemas.microsoft.com/office/powerpoint/2010/main" val="300373277"/>
+        <p14:creationId xmlns:p14="http://schemas.microsoft.com/office/powerpoint/2010/main" val="3117726579"/>
       </p:ext>
     </p:extLst>
   </p:cSld>
@@ -5792,7 +6763,7 @@
       </p:grpSpPr>
       <p:sp>
         <p:nvSpPr>
-          <p:cNvPr id="2" name="TextBox 1"/>
+          <p:cNvPr id="4" name="TextBox 3"/>
           <p:cNvSpPr txBox="1"/>
           <p:nvPr/>
         </p:nvSpPr>
@@ -5826,177 +6797,505 @@
           </a:p>
         </p:txBody>
       </p:sp>
+      <p:sp>
+        <p:nvSpPr>
+          <p:cNvPr id="5" name="Rectangle 1"/>
+          <p:cNvSpPr>
+            <a:spLocks noChangeArrowheads="1"/>
+          </p:cNvSpPr>
+          <p:nvPr/>
+        </p:nvSpPr>
+        <p:spPr bwMode="auto">
+          <a:xfrm>
+            <a:off x="302508" y="681992"/>
+            <a:ext cx="10347158" cy="1015663"/>
+          </a:xfrm>
+          <a:prstGeom prst="rect">
+            <a:avLst/>
+          </a:prstGeom>
+          <a:noFill/>
+          <a:ln>
+            <a:noFill/>
+          </a:ln>
+          <a:effectLst/>
+          <a:extLst>
+            <a:ext uri="{909E8E84-426E-40DD-AFC4-6F175D3DCCD1}">
+              <a14:hiddenFill xmlns:a14="http://schemas.microsoft.com/office/drawing/2010/main">
+                <a:solidFill>
+                  <a:schemeClr val="accent1"/>
+                </a:solidFill>
+              </a14:hiddenFill>
+            </a:ext>
+            <a:ext uri="{91240B29-F687-4F45-9708-019B960494DF}">
+              <a14:hiddenLine xmlns:a14="http://schemas.microsoft.com/office/drawing/2010/main" w="9525">
+                <a:solidFill>
+                  <a:schemeClr val="tx1"/>
+                </a:solidFill>
+                <a:miter lim="800000"/>
+                <a:headEnd/>
+                <a:tailEnd/>
+              </a14:hiddenLine>
+            </a:ext>
+            <a:ext uri="{AF507438-7753-43E0-B8FC-AC1667EBCBE1}">
+              <a14:hiddenEffects xmlns:a14="http://schemas.microsoft.com/office/drawing/2010/main">
+                <a:effectLst>
+                  <a:outerShdw dist="35921" dir="2700000" algn="ctr" rotWithShape="0">
+                    <a:schemeClr val="bg2"/>
+                  </a:outerShdw>
+                </a:effectLst>
+              </a14:hiddenEffects>
+            </a:ext>
+          </a:extLst>
+        </p:spPr>
+        <p:txBody>
+          <a:bodyPr vert="horz" wrap="square" lIns="91440" tIns="45720" rIns="91440" bIns="45720" numCol="1" anchor="ctr" anchorCtr="0" compatLnSpc="1">
+            <a:prstTxWarp prst="textNoShape">
+              <a:avLst/>
+            </a:prstTxWarp>
+            <a:spAutoFit/>
+          </a:bodyPr>
+          <a:lstStyle/>
+          <a:p>
+            <a:pPr marR="0" lvl="0" indent="14288" algn="l" defTabSz="914400" rtl="0" eaLnBrk="0" fontAlgn="base" latinLnBrk="0" hangingPunct="0">
+              <a:lnSpc>
+                <a:spcPct val="100000"/>
+              </a:lnSpc>
+              <a:spcBef>
+                <a:spcPct val="0"/>
+              </a:spcBef>
+              <a:spcAft>
+                <a:spcPct val="0"/>
+              </a:spcAft>
+              <a:buClrTx/>
+              <a:buSzTx/>
+              <a:buFont typeface="Arial" panose="020B0604020202020204" pitchFamily="34" charset="0"/>
+              <a:buChar char="•"/>
+              <a:tabLst/>
+            </a:pPr>
+            <a:r>
+              <a:rPr lang="fr-FR" altLang="en-US" sz="2000" dirty="0" smtClean="0">
+                <a:latin typeface="Arial" panose="020B0604020202020204" pitchFamily="34" charset="0"/>
+              </a:rPr>
+              <a:t>Maintenant la table respecte la première forme normale mais pas quatrième forme normale car les valeurs au niveau de la colonne </a:t>
+            </a:r>
+            <a:r>
+              <a:rPr lang="fr-FR" altLang="en-US" sz="2000" b="1" dirty="0" smtClean="0">
+                <a:latin typeface="Arial" panose="020B0604020202020204" pitchFamily="34" charset="0"/>
+              </a:rPr>
+              <a:t>Locations</a:t>
+            </a:r>
+            <a:r>
+              <a:rPr lang="fr-FR" altLang="en-US" sz="2000" dirty="0" smtClean="0">
+                <a:latin typeface="Arial" panose="020B0604020202020204" pitchFamily="34" charset="0"/>
+              </a:rPr>
+              <a:t> et la colonne </a:t>
+            </a:r>
+            <a:r>
+              <a:rPr lang="fr-FR" altLang="en-US" sz="2000" b="1" dirty="0" err="1" smtClean="0">
+                <a:latin typeface="Arial" panose="020B0604020202020204" pitchFamily="34" charset="0"/>
+              </a:rPr>
+              <a:t>Customers</a:t>
+            </a:r>
+            <a:r>
+              <a:rPr lang="fr-FR" altLang="en-US" sz="2000" b="1" dirty="0" smtClean="0">
+                <a:latin typeface="Arial" panose="020B0604020202020204" pitchFamily="34" charset="0"/>
+              </a:rPr>
+              <a:t> </a:t>
+            </a:r>
+            <a:r>
+              <a:rPr lang="fr-FR" altLang="en-US" sz="2000" dirty="0" smtClean="0">
+                <a:latin typeface="Arial" panose="020B0604020202020204" pitchFamily="34" charset="0"/>
+              </a:rPr>
+              <a:t>sont en duplication</a:t>
+            </a:r>
+            <a:endParaRPr lang="fr-FR" altLang="en-US" sz="2000" b="1" dirty="0" smtClean="0">
+              <a:latin typeface="Arial" panose="020B0604020202020204" pitchFamily="34" charset="0"/>
+            </a:endParaRPr>
+          </a:p>
+        </p:txBody>
+      </p:sp>
+      <p:sp>
+        <p:nvSpPr>
+          <p:cNvPr id="6" name="Rectangle 1"/>
+          <p:cNvSpPr>
+            <a:spLocks noChangeArrowheads="1"/>
+          </p:cNvSpPr>
+          <p:nvPr/>
+        </p:nvSpPr>
+        <p:spPr bwMode="auto">
+          <a:xfrm>
+            <a:off x="302508" y="1948618"/>
+            <a:ext cx="10347158" cy="400110"/>
+          </a:xfrm>
+          <a:prstGeom prst="rect">
+            <a:avLst/>
+          </a:prstGeom>
+          <a:noFill/>
+          <a:ln>
+            <a:noFill/>
+          </a:ln>
+          <a:effectLst/>
+          <a:extLst>
+            <a:ext uri="{909E8E84-426E-40DD-AFC4-6F175D3DCCD1}">
+              <a14:hiddenFill xmlns:a14="http://schemas.microsoft.com/office/drawing/2010/main">
+                <a:solidFill>
+                  <a:schemeClr val="accent1"/>
+                </a:solidFill>
+              </a14:hiddenFill>
+            </a:ext>
+            <a:ext uri="{91240B29-F687-4F45-9708-019B960494DF}">
+              <a14:hiddenLine xmlns:a14="http://schemas.microsoft.com/office/drawing/2010/main" w="9525">
+                <a:solidFill>
+                  <a:schemeClr val="tx1"/>
+                </a:solidFill>
+                <a:miter lim="800000"/>
+                <a:headEnd/>
+                <a:tailEnd/>
+              </a14:hiddenLine>
+            </a:ext>
+            <a:ext uri="{AF507438-7753-43E0-B8FC-AC1667EBCBE1}">
+              <a14:hiddenEffects xmlns:a14="http://schemas.microsoft.com/office/drawing/2010/main">
+                <a:effectLst>
+                  <a:outerShdw dist="35921" dir="2700000" algn="ctr" rotWithShape="0">
+                    <a:schemeClr val="bg2"/>
+                  </a:outerShdw>
+                </a:effectLst>
+              </a14:hiddenEffects>
+            </a:ext>
+          </a:extLst>
+        </p:spPr>
+        <p:txBody>
+          <a:bodyPr vert="horz" wrap="square" lIns="91440" tIns="45720" rIns="91440" bIns="45720" numCol="1" anchor="ctr" anchorCtr="0" compatLnSpc="1">
+            <a:prstTxWarp prst="textNoShape">
+              <a:avLst/>
+            </a:prstTxWarp>
+            <a:spAutoFit/>
+          </a:bodyPr>
+          <a:lstStyle/>
+          <a:p>
+            <a:pPr marR="0" lvl="0" indent="14288" algn="l" defTabSz="914400" rtl="0" eaLnBrk="0" fontAlgn="base" latinLnBrk="0" hangingPunct="0">
+              <a:lnSpc>
+                <a:spcPct val="100000"/>
+              </a:lnSpc>
+              <a:spcBef>
+                <a:spcPct val="0"/>
+              </a:spcBef>
+              <a:spcAft>
+                <a:spcPct val="0"/>
+              </a:spcAft>
+              <a:buClrTx/>
+              <a:buSzTx/>
+              <a:buFont typeface="Arial" panose="020B0604020202020204" pitchFamily="34" charset="0"/>
+              <a:buChar char="•"/>
+              <a:tabLst/>
+            </a:pPr>
+            <a:r>
+              <a:rPr lang="fr-FR" altLang="en-US" sz="2000" dirty="0" smtClean="0">
+                <a:latin typeface="Arial" panose="020B0604020202020204" pitchFamily="34" charset="0"/>
+              </a:rPr>
+              <a:t>Commencez par dupliquer a table </a:t>
+            </a:r>
+            <a:r>
+              <a:rPr lang="fr-FR" altLang="en-US" sz="2000" b="1" dirty="0" smtClean="0">
+                <a:latin typeface="Arial" panose="020B0604020202020204" pitchFamily="34" charset="0"/>
+              </a:rPr>
+              <a:t>1NF </a:t>
+            </a:r>
+            <a:r>
+              <a:rPr lang="fr-FR" altLang="en-US" sz="2000" dirty="0" smtClean="0">
+                <a:latin typeface="Arial" panose="020B0604020202020204" pitchFamily="34" charset="0"/>
+              </a:rPr>
+              <a:t>et la renommer à </a:t>
+            </a:r>
+            <a:r>
+              <a:rPr lang="fr-FR" altLang="en-US" sz="2000" b="1" dirty="0" smtClean="0">
+                <a:latin typeface="Arial" panose="020B0604020202020204" pitchFamily="34" charset="0"/>
+              </a:rPr>
+              <a:t>Locations</a:t>
+            </a:r>
+            <a:r>
+              <a:rPr lang="fr-FR" altLang="en-US" sz="2000" dirty="0" smtClean="0">
+                <a:latin typeface="Arial" panose="020B0604020202020204" pitchFamily="34" charset="0"/>
+              </a:rPr>
+              <a:t> </a:t>
+            </a:r>
+          </a:p>
+        </p:txBody>
+      </p:sp>
+      <p:sp>
+        <p:nvSpPr>
+          <p:cNvPr id="7" name="Rectangle 1"/>
+          <p:cNvSpPr>
+            <a:spLocks noChangeArrowheads="1"/>
+          </p:cNvSpPr>
+          <p:nvPr/>
+        </p:nvSpPr>
+        <p:spPr bwMode="auto">
+          <a:xfrm>
+            <a:off x="302508" y="2469318"/>
+            <a:ext cx="10347158" cy="400110"/>
+          </a:xfrm>
+          <a:prstGeom prst="rect">
+            <a:avLst/>
+          </a:prstGeom>
+          <a:noFill/>
+          <a:ln>
+            <a:noFill/>
+          </a:ln>
+          <a:effectLst/>
+          <a:extLst>
+            <a:ext uri="{909E8E84-426E-40DD-AFC4-6F175D3DCCD1}">
+              <a14:hiddenFill xmlns:a14="http://schemas.microsoft.com/office/drawing/2010/main">
+                <a:solidFill>
+                  <a:schemeClr val="accent1"/>
+                </a:solidFill>
+              </a14:hiddenFill>
+            </a:ext>
+            <a:ext uri="{91240B29-F687-4F45-9708-019B960494DF}">
+              <a14:hiddenLine xmlns:a14="http://schemas.microsoft.com/office/drawing/2010/main" w="9525">
+                <a:solidFill>
+                  <a:schemeClr val="tx1"/>
+                </a:solidFill>
+                <a:miter lim="800000"/>
+                <a:headEnd/>
+                <a:tailEnd/>
+              </a14:hiddenLine>
+            </a:ext>
+            <a:ext uri="{AF507438-7753-43E0-B8FC-AC1667EBCBE1}">
+              <a14:hiddenEffects xmlns:a14="http://schemas.microsoft.com/office/drawing/2010/main">
+                <a:effectLst>
+                  <a:outerShdw dist="35921" dir="2700000" algn="ctr" rotWithShape="0">
+                    <a:schemeClr val="bg2"/>
+                  </a:outerShdw>
+                </a:effectLst>
+              </a14:hiddenEffects>
+            </a:ext>
+          </a:extLst>
+        </p:spPr>
+        <p:txBody>
+          <a:bodyPr vert="horz" wrap="square" lIns="91440" tIns="45720" rIns="91440" bIns="45720" numCol="1" anchor="ctr" anchorCtr="0" compatLnSpc="1">
+            <a:prstTxWarp prst="textNoShape">
+              <a:avLst/>
+            </a:prstTxWarp>
+            <a:spAutoFit/>
+          </a:bodyPr>
+          <a:lstStyle/>
+          <a:p>
+            <a:pPr marR="0" lvl="0" indent="14288" algn="l" defTabSz="914400" rtl="0" eaLnBrk="0" fontAlgn="base" latinLnBrk="0" hangingPunct="0">
+              <a:lnSpc>
+                <a:spcPct val="100000"/>
+              </a:lnSpc>
+              <a:spcBef>
+                <a:spcPct val="0"/>
+              </a:spcBef>
+              <a:spcAft>
+                <a:spcPct val="0"/>
+              </a:spcAft>
+              <a:buClrTx/>
+              <a:buSzTx/>
+              <a:buFont typeface="Arial" panose="020B0604020202020204" pitchFamily="34" charset="0"/>
+              <a:buChar char="•"/>
+              <a:tabLst/>
+            </a:pPr>
+            <a:r>
+              <a:rPr lang="fr-FR" altLang="en-US" sz="2000" dirty="0" smtClean="0">
+                <a:latin typeface="Arial" panose="020B0604020202020204" pitchFamily="34" charset="0"/>
+              </a:rPr>
+              <a:t>Supprimez toute les colonnes sauf </a:t>
+            </a:r>
+            <a:r>
+              <a:rPr lang="fr-FR" altLang="en-US" sz="2000" b="1" dirty="0" smtClean="0">
+                <a:latin typeface="Arial" panose="020B0604020202020204" pitchFamily="34" charset="0"/>
+              </a:rPr>
+              <a:t>Locations</a:t>
+            </a:r>
+            <a:r>
+              <a:rPr lang="fr-FR" altLang="en-US" sz="2000" dirty="0" smtClean="0">
+                <a:latin typeface="Arial" panose="020B0604020202020204" pitchFamily="34" charset="0"/>
+              </a:rPr>
+              <a:t> </a:t>
+            </a:r>
+          </a:p>
+        </p:txBody>
+      </p:sp>
+      <p:sp>
+        <p:nvSpPr>
+          <p:cNvPr id="8" name="Rectangle 1"/>
+          <p:cNvSpPr>
+            <a:spLocks noChangeArrowheads="1"/>
+          </p:cNvSpPr>
+          <p:nvPr/>
+        </p:nvSpPr>
+        <p:spPr bwMode="auto">
+          <a:xfrm>
+            <a:off x="302508" y="3047168"/>
+            <a:ext cx="10347158" cy="400110"/>
+          </a:xfrm>
+          <a:prstGeom prst="rect">
+            <a:avLst/>
+          </a:prstGeom>
+          <a:noFill/>
+          <a:ln>
+            <a:noFill/>
+          </a:ln>
+          <a:effectLst/>
+          <a:extLst>
+            <a:ext uri="{909E8E84-426E-40DD-AFC4-6F175D3DCCD1}">
+              <a14:hiddenFill xmlns:a14="http://schemas.microsoft.com/office/drawing/2010/main">
+                <a:solidFill>
+                  <a:schemeClr val="accent1"/>
+                </a:solidFill>
+              </a14:hiddenFill>
+            </a:ext>
+            <a:ext uri="{91240B29-F687-4F45-9708-019B960494DF}">
+              <a14:hiddenLine xmlns:a14="http://schemas.microsoft.com/office/drawing/2010/main" w="9525">
+                <a:solidFill>
+                  <a:schemeClr val="tx1"/>
+                </a:solidFill>
+                <a:miter lim="800000"/>
+                <a:headEnd/>
+                <a:tailEnd/>
+              </a14:hiddenLine>
+            </a:ext>
+            <a:ext uri="{AF507438-7753-43E0-B8FC-AC1667EBCBE1}">
+              <a14:hiddenEffects xmlns:a14="http://schemas.microsoft.com/office/drawing/2010/main">
+                <a:effectLst>
+                  <a:outerShdw dist="35921" dir="2700000" algn="ctr" rotWithShape="0">
+                    <a:schemeClr val="bg2"/>
+                  </a:outerShdw>
+                </a:effectLst>
+              </a14:hiddenEffects>
+            </a:ext>
+          </a:extLst>
+        </p:spPr>
+        <p:txBody>
+          <a:bodyPr vert="horz" wrap="square" lIns="91440" tIns="45720" rIns="91440" bIns="45720" numCol="1" anchor="ctr" anchorCtr="0" compatLnSpc="1">
+            <a:prstTxWarp prst="textNoShape">
+              <a:avLst/>
+            </a:prstTxWarp>
+            <a:spAutoFit/>
+          </a:bodyPr>
+          <a:lstStyle/>
+          <a:p>
+            <a:pPr marR="0" lvl="0" indent="14288" algn="l" defTabSz="914400" rtl="0" eaLnBrk="0" fontAlgn="base" latinLnBrk="0" hangingPunct="0">
+              <a:lnSpc>
+                <a:spcPct val="100000"/>
+              </a:lnSpc>
+              <a:spcBef>
+                <a:spcPct val="0"/>
+              </a:spcBef>
+              <a:spcAft>
+                <a:spcPct val="0"/>
+              </a:spcAft>
+              <a:buClrTx/>
+              <a:buSzTx/>
+              <a:buFont typeface="Arial" panose="020B0604020202020204" pitchFamily="34" charset="0"/>
+              <a:buChar char="•"/>
+              <a:tabLst/>
+            </a:pPr>
+            <a:r>
+              <a:rPr lang="fr-FR" altLang="en-US" sz="2000" b="1" dirty="0" smtClean="0">
+                <a:latin typeface="Arial" panose="020B0604020202020204" pitchFamily="34" charset="0"/>
+              </a:rPr>
+              <a:t> </a:t>
+            </a:r>
+            <a:r>
+              <a:rPr lang="fr-FR" altLang="en-US" sz="2000" dirty="0" smtClean="0">
+                <a:latin typeface="Arial" panose="020B0604020202020204" pitchFamily="34" charset="0"/>
+              </a:rPr>
+              <a:t>Elimiez les duplications au niveau de la colonne </a:t>
+            </a:r>
+            <a:r>
+              <a:rPr lang="fr-FR" altLang="en-US" sz="2000" b="1" dirty="0" smtClean="0">
+                <a:latin typeface="Arial" panose="020B0604020202020204" pitchFamily="34" charset="0"/>
+              </a:rPr>
+              <a:t>Locations</a:t>
+            </a:r>
+            <a:r>
+              <a:rPr lang="fr-FR" altLang="en-US" sz="2000" dirty="0" smtClean="0">
+                <a:latin typeface="Arial" panose="020B0604020202020204" pitchFamily="34" charset="0"/>
+              </a:rPr>
+              <a:t> </a:t>
+            </a:r>
+          </a:p>
+        </p:txBody>
+      </p:sp>
       <p:pic>
         <p:nvPicPr>
-          <p:cNvPr id="7" name="Picture 6"/>
-          <p:cNvPicPr/>
+          <p:cNvPr id="3" name="Picture 2"/>
+          <p:cNvPicPr>
+            <a:picLocks noChangeAspect="1"/>
+          </p:cNvPicPr>
           <p:nvPr/>
         </p:nvPicPr>
         <p:blipFill>
-          <a:blip r:embed="rId2">
-            <a:extLst>
-              <a:ext uri="{28A0092B-C50C-407E-A947-70E740481C1C}">
-                <a14:useLocalDpi xmlns:a14="http://schemas.microsoft.com/office/drawing/2010/main" val="0"/>
-              </a:ext>
-            </a:extLst>
-          </a:blip>
-          <a:srcRect/>
+          <a:blip r:embed="rId2"/>
           <a:stretch>
             <a:fillRect/>
           </a:stretch>
         </p:blipFill>
-        <p:spPr bwMode="auto">
-          <a:xfrm>
-            <a:off x="295403" y="1324148"/>
-            <a:ext cx="3474720" cy="1280160"/>
+        <p:spPr>
+          <a:xfrm>
+            <a:off x="3462089" y="3625018"/>
+            <a:ext cx="4294614" cy="2210632"/>
           </a:xfrm>
           <a:prstGeom prst="rect">
             <a:avLst/>
           </a:prstGeom>
+        </p:spPr>
+      </p:pic>
+      <p:sp>
+        <p:nvSpPr>
+          <p:cNvPr id="9" name="Rectangle 8"/>
+          <p:cNvSpPr/>
+          <p:nvPr/>
+        </p:nvSpPr>
+        <p:spPr>
+          <a:xfrm>
+            <a:off x="5295899" y="5251449"/>
+            <a:ext cx="2460803" cy="260361"/>
+          </a:xfrm>
+          <a:prstGeom prst="rect">
+            <a:avLst/>
+          </a:prstGeom>
+          <a:solidFill>
+            <a:srgbClr val="FF0000">
+              <a:alpha val="12000"/>
+            </a:srgbClr>
+          </a:solidFill>
           <a:ln>
             <a:noFill/>
           </a:ln>
-          <a:effectLst>
-            <a:outerShdw blurRad="292100" dist="139700" dir="2700000" algn="tl" rotWithShape="0">
-              <a:srgbClr val="333333">
-                <a:alpha val="65000"/>
-              </a:srgbClr>
-            </a:outerShdw>
-          </a:effectLst>
-        </p:spPr>
-      </p:pic>
-      <p:pic>
-        <p:nvPicPr>
-          <p:cNvPr id="9" name="Picture 8"/>
-          <p:cNvPicPr/>
-          <p:nvPr/>
-        </p:nvPicPr>
-        <p:blipFill rotWithShape="1">
-          <a:blip r:embed="rId3">
-            <a:extLst>
-              <a:ext uri="{28A0092B-C50C-407E-A947-70E740481C1C}">
-                <a14:useLocalDpi xmlns:a14="http://schemas.microsoft.com/office/drawing/2010/main" val="0"/>
-              </a:ext>
-            </a:extLst>
-          </a:blip>
-          <a:srcRect l="2402" t="5491" r="-1"/>
-          <a:stretch/>
-        </p:blipFill>
-        <p:spPr bwMode="auto">
-          <a:xfrm>
-            <a:off x="295403" y="3318359"/>
-            <a:ext cx="5922645" cy="3301365"/>
-          </a:xfrm>
-          <a:prstGeom prst="rect">
-            <a:avLst/>
-          </a:prstGeom>
-          <a:ln>
-            <a:noFill/>
-          </a:ln>
-          <a:effectLst>
-            <a:outerShdw blurRad="292100" dist="139700" dir="2700000" algn="tl" rotWithShape="0">
-              <a:srgbClr val="333333">
-                <a:alpha val="65000"/>
-              </a:srgbClr>
-            </a:outerShdw>
-          </a:effectLst>
-          <a:extLst>
-            <a:ext uri="{53640926-AAD7-44D8-BBD7-CCE9431645EC}">
-              <a14:shadowObscured xmlns:a14="http://schemas.microsoft.com/office/drawing/2010/main"/>
-            </a:ext>
-          </a:extLst>
-        </p:spPr>
-      </p:pic>
-      <p:sp>
-        <p:nvSpPr>
-          <p:cNvPr id="4" name="Rectangle 3"/>
-          <p:cNvSpPr/>
-          <p:nvPr/>
-        </p:nvSpPr>
-        <p:spPr>
-          <a:xfrm>
-            <a:off x="220005" y="2753929"/>
-            <a:ext cx="9707995" cy="400110"/>
-          </a:xfrm>
-          <a:prstGeom prst="rect">
-            <a:avLst/>
-          </a:prstGeom>
-        </p:spPr>
-        <p:txBody>
-          <a:bodyPr wrap="square">
-            <a:spAutoFit/>
-          </a:bodyPr>
-          <a:lstStyle/>
-          <a:p>
-            <a:r>
-              <a:rPr lang="fr-FR" sz="2000" dirty="0"/>
-              <a:t>Renommez la table </a:t>
-            </a:r>
-            <a:r>
-              <a:rPr lang="fr-FR" sz="2000" b="1" dirty="0"/>
-              <a:t>1NF</a:t>
-            </a:r>
-            <a:r>
-              <a:rPr lang="fr-FR" sz="2000" dirty="0"/>
-              <a:t> en </a:t>
-            </a:r>
-            <a:r>
-              <a:rPr lang="fr-FR" sz="2000" b="1" dirty="0"/>
-              <a:t>Sales </a:t>
-            </a:r>
-            <a:r>
-              <a:rPr lang="fr-FR" sz="2000" dirty="0"/>
-              <a:t>et ajoutez une colonne conditionnelle </a:t>
-            </a:r>
-            <a:r>
-              <a:rPr lang="fr-FR" sz="2000" b="1" dirty="0"/>
-              <a:t>Customer ID</a:t>
-            </a:r>
-            <a:endParaRPr lang="en-US" sz="2000" b="1" dirty="0"/>
-          </a:p>
-        </p:txBody>
-      </p:sp>
-      <p:sp>
-        <p:nvSpPr>
-          <p:cNvPr id="5" name="Rectangle 4"/>
-          <p:cNvSpPr/>
-          <p:nvPr/>
-        </p:nvSpPr>
-        <p:spPr>
-          <a:xfrm>
-            <a:off x="295403" y="779910"/>
-            <a:ext cx="6731073" cy="400110"/>
-          </a:xfrm>
-          <a:prstGeom prst="rect">
-            <a:avLst/>
-          </a:prstGeom>
-        </p:spPr>
-        <p:txBody>
-          <a:bodyPr wrap="none">
-            <a:spAutoFit/>
-          </a:bodyPr>
-          <a:lstStyle/>
-          <a:p>
-            <a:r>
-              <a:rPr lang="fr-FR" sz="2000" dirty="0"/>
-              <a:t>Répétez la même opération pour créer une requête </a:t>
-            </a:r>
-            <a:r>
-              <a:rPr lang="fr-FR" sz="2000" b="1" dirty="0"/>
-              <a:t>Locations</a:t>
-            </a:r>
-            <a:r>
-              <a:rPr lang="fr-FR" sz="2000" dirty="0"/>
-              <a:t>.</a:t>
-            </a:r>
-            <a:endParaRPr lang="en-US" sz="2000" dirty="0"/>
+        </p:spPr>
+        <p:style>
+          <a:lnRef idx="2">
+            <a:schemeClr val="accent1">
+              <a:shade val="50000"/>
+            </a:schemeClr>
+          </a:lnRef>
+          <a:fillRef idx="1">
+            <a:schemeClr val="accent1"/>
+          </a:fillRef>
+          <a:effectRef idx="0">
+            <a:schemeClr val="accent1"/>
+          </a:effectRef>
+          <a:fontRef idx="minor">
+            <a:schemeClr val="lt1"/>
+          </a:fontRef>
+        </p:style>
+        <p:txBody>
+          <a:bodyPr rtlCol="0" anchor="ctr"/>
+          <a:lstStyle/>
+          <a:p>
+            <a:pPr algn="ctr"/>
+            <a:endParaRPr lang="en-US"/>
           </a:p>
         </p:txBody>
       </p:sp>
     </p:spTree>
     <p:extLst>
       <p:ext uri="{BB962C8B-B14F-4D97-AF65-F5344CB8AC3E}">
-        <p14:creationId xmlns:p14="http://schemas.microsoft.com/office/powerpoint/2010/main" val="1037574227"/>
+        <p14:creationId xmlns:p14="http://schemas.microsoft.com/office/powerpoint/2010/main" val="2480513154"/>
       </p:ext>
     </p:extLst>
   </p:cSld>
@@ -6023,51 +7322,9 @@
           <a:chExt cx="0" cy="0"/>
         </a:xfrm>
       </p:grpSpPr>
-      <p:pic>
-        <p:nvPicPr>
-          <p:cNvPr id="10" name="Picture 9"/>
-          <p:cNvPicPr/>
-          <p:nvPr/>
-        </p:nvPicPr>
-        <p:blipFill rotWithShape="1">
-          <a:blip r:embed="rId2">
-            <a:extLst>
-              <a:ext uri="{28A0092B-C50C-407E-A947-70E740481C1C}">
-                <a14:useLocalDpi xmlns:a14="http://schemas.microsoft.com/office/drawing/2010/main" val="0"/>
-              </a:ext>
-            </a:extLst>
-          </a:blip>
-          <a:srcRect l="1295" t="7790"/>
-          <a:stretch/>
-        </p:blipFill>
-        <p:spPr bwMode="auto">
-          <a:xfrm>
-            <a:off x="220006" y="1319788"/>
-            <a:ext cx="5777865" cy="2139315"/>
-          </a:xfrm>
-          <a:prstGeom prst="rect">
-            <a:avLst/>
-          </a:prstGeom>
-          <a:ln>
-            <a:noFill/>
-          </a:ln>
-          <a:effectLst>
-            <a:outerShdw blurRad="292100" dist="139700" dir="2700000" algn="tl" rotWithShape="0">
-              <a:srgbClr val="333333">
-                <a:alpha val="65000"/>
-              </a:srgbClr>
-            </a:outerShdw>
-          </a:effectLst>
-          <a:extLst>
-            <a:ext uri="{53640926-AAD7-44D8-BBD7-CCE9431645EC}">
-              <a14:shadowObscured xmlns:a14="http://schemas.microsoft.com/office/drawing/2010/main"/>
-            </a:ext>
-          </a:extLst>
-        </p:spPr>
-      </p:pic>
-      <p:sp>
-        <p:nvSpPr>
-          <p:cNvPr id="5" name="TextBox 4"/>
+      <p:sp>
+        <p:nvSpPr>
+          <p:cNvPr id="4" name="TextBox 3"/>
           <p:cNvSpPr txBox="1"/>
           <p:nvPr/>
         </p:nvSpPr>
@@ -6103,41 +7360,413 @@
       </p:sp>
       <p:sp>
         <p:nvSpPr>
-          <p:cNvPr id="4" name="Rectangle 3"/>
+          <p:cNvPr id="5" name="Rectangle 1"/>
+          <p:cNvSpPr>
+            <a:spLocks noChangeArrowheads="1"/>
+          </p:cNvSpPr>
+          <p:nvPr/>
+        </p:nvSpPr>
+        <p:spPr bwMode="auto">
+          <a:xfrm>
+            <a:off x="302508" y="748468"/>
+            <a:ext cx="10347158" cy="400110"/>
+          </a:xfrm>
+          <a:prstGeom prst="rect">
+            <a:avLst/>
+          </a:prstGeom>
+          <a:noFill/>
+          <a:ln>
+            <a:noFill/>
+          </a:ln>
+          <a:effectLst/>
+          <a:extLst>
+            <a:ext uri="{909E8E84-426E-40DD-AFC4-6F175D3DCCD1}">
+              <a14:hiddenFill xmlns:a14="http://schemas.microsoft.com/office/drawing/2010/main">
+                <a:solidFill>
+                  <a:schemeClr val="accent1"/>
+                </a:solidFill>
+              </a14:hiddenFill>
+            </a:ext>
+            <a:ext uri="{91240B29-F687-4F45-9708-019B960494DF}">
+              <a14:hiddenLine xmlns:a14="http://schemas.microsoft.com/office/drawing/2010/main" w="9525">
+                <a:solidFill>
+                  <a:schemeClr val="tx1"/>
+                </a:solidFill>
+                <a:miter lim="800000"/>
+                <a:headEnd/>
+                <a:tailEnd/>
+              </a14:hiddenLine>
+            </a:ext>
+            <a:ext uri="{AF507438-7753-43E0-B8FC-AC1667EBCBE1}">
+              <a14:hiddenEffects xmlns:a14="http://schemas.microsoft.com/office/drawing/2010/main">
+                <a:effectLst>
+                  <a:outerShdw dist="35921" dir="2700000" algn="ctr" rotWithShape="0">
+                    <a:schemeClr val="bg2"/>
+                  </a:outerShdw>
+                </a:effectLst>
+              </a14:hiddenEffects>
+            </a:ext>
+          </a:extLst>
+        </p:spPr>
+        <p:txBody>
+          <a:bodyPr vert="horz" wrap="square" lIns="91440" tIns="45720" rIns="91440" bIns="45720" numCol="1" anchor="ctr" anchorCtr="0" compatLnSpc="1">
+            <a:prstTxWarp prst="textNoShape">
+              <a:avLst/>
+            </a:prstTxWarp>
+            <a:spAutoFit/>
+          </a:bodyPr>
+          <a:lstStyle/>
+          <a:p>
+            <a:pPr marR="0" lvl="0" indent="14288" algn="l" defTabSz="914400" rtl="0" eaLnBrk="0" fontAlgn="base" latinLnBrk="0" hangingPunct="0">
+              <a:lnSpc>
+                <a:spcPct val="100000"/>
+              </a:lnSpc>
+              <a:spcBef>
+                <a:spcPct val="0"/>
+              </a:spcBef>
+              <a:spcAft>
+                <a:spcPct val="0"/>
+              </a:spcAft>
+              <a:buClrTx/>
+              <a:buSzTx/>
+              <a:buFont typeface="Arial" panose="020B0604020202020204" pitchFamily="34" charset="0"/>
+              <a:buChar char="•"/>
+              <a:tabLst/>
+            </a:pPr>
+            <a:r>
+              <a:rPr lang="fr-FR" altLang="en-US" sz="2000" dirty="0" smtClean="0">
+                <a:latin typeface="Arial" panose="020B0604020202020204" pitchFamily="34" charset="0"/>
+              </a:rPr>
+              <a:t>Ajoutez une colonne index basé à 0 et positionnez cette colonne au début</a:t>
+            </a:r>
+            <a:endParaRPr lang="fr-FR" altLang="en-US" sz="2000" b="1" dirty="0" smtClean="0">
+              <a:latin typeface="Arial" panose="020B0604020202020204" pitchFamily="34" charset="0"/>
+            </a:endParaRPr>
+          </a:p>
+        </p:txBody>
+      </p:sp>
+      <p:pic>
+        <p:nvPicPr>
+          <p:cNvPr id="2" name="Picture 1"/>
+          <p:cNvPicPr>
+            <a:picLocks noChangeAspect="1"/>
+          </p:cNvPicPr>
+          <p:nvPr/>
+        </p:nvPicPr>
+        <p:blipFill>
+          <a:blip r:embed="rId2"/>
+          <a:stretch>
+            <a:fillRect/>
+          </a:stretch>
+        </p:blipFill>
+        <p:spPr>
+          <a:xfrm>
+            <a:off x="442682" y="2006418"/>
+            <a:ext cx="4338868" cy="3401073"/>
+          </a:xfrm>
+          <a:prstGeom prst="rect">
+            <a:avLst/>
+          </a:prstGeom>
+        </p:spPr>
+      </p:pic>
+      <p:sp>
+        <p:nvSpPr>
+          <p:cNvPr id="10" name="Rectangle 9"/>
           <p:cNvSpPr/>
           <p:nvPr/>
         </p:nvSpPr>
         <p:spPr>
           <a:xfrm>
-            <a:off x="401674" y="681992"/>
-            <a:ext cx="6287683" cy="400110"/>
+            <a:off x="2876549" y="2063749"/>
+            <a:ext cx="1168401" cy="260351"/>
           </a:xfrm>
           <a:prstGeom prst="rect">
             <a:avLst/>
           </a:prstGeom>
-        </p:spPr>
-        <p:txBody>
-          <a:bodyPr wrap="none">
+          <a:solidFill>
+            <a:srgbClr val="FF0000">
+              <a:alpha val="12000"/>
+            </a:srgbClr>
+          </a:solidFill>
+          <a:ln>
+            <a:noFill/>
+          </a:ln>
+        </p:spPr>
+        <p:style>
+          <a:lnRef idx="2">
+            <a:schemeClr val="accent1">
+              <a:shade val="50000"/>
+            </a:schemeClr>
+          </a:lnRef>
+          <a:fillRef idx="1">
+            <a:schemeClr val="accent1"/>
+          </a:fillRef>
+          <a:effectRef idx="0">
+            <a:schemeClr val="accent1"/>
+          </a:effectRef>
+          <a:fontRef idx="minor">
+            <a:schemeClr val="lt1"/>
+          </a:fontRef>
+        </p:style>
+        <p:txBody>
+          <a:bodyPr rtlCol="0" anchor="ctr"/>
+          <a:lstStyle/>
+          <a:p>
+            <a:pPr algn="ctr"/>
+            <a:endParaRPr lang="en-US"/>
+          </a:p>
+        </p:txBody>
+      </p:sp>
+      <p:sp>
+        <p:nvSpPr>
+          <p:cNvPr id="11" name="Rectangle 10"/>
+          <p:cNvSpPr/>
+          <p:nvPr/>
+        </p:nvSpPr>
+        <p:spPr>
+          <a:xfrm>
+            <a:off x="3054349" y="2990849"/>
+            <a:ext cx="1308101" cy="260351"/>
+          </a:xfrm>
+          <a:prstGeom prst="rect">
+            <a:avLst/>
+          </a:prstGeom>
+          <a:solidFill>
+            <a:srgbClr val="FF0000">
+              <a:alpha val="12000"/>
+            </a:srgbClr>
+          </a:solidFill>
+          <a:ln>
+            <a:noFill/>
+          </a:ln>
+        </p:spPr>
+        <p:style>
+          <a:lnRef idx="2">
+            <a:schemeClr val="accent1">
+              <a:shade val="50000"/>
+            </a:schemeClr>
+          </a:lnRef>
+          <a:fillRef idx="1">
+            <a:schemeClr val="accent1"/>
+          </a:fillRef>
+          <a:effectRef idx="0">
+            <a:schemeClr val="accent1"/>
+          </a:effectRef>
+          <a:fontRef idx="minor">
+            <a:schemeClr val="lt1"/>
+          </a:fontRef>
+        </p:style>
+        <p:txBody>
+          <a:bodyPr rtlCol="0" anchor="ctr"/>
+          <a:lstStyle/>
+          <a:p>
+            <a:pPr algn="ctr"/>
+            <a:endParaRPr lang="en-US"/>
+          </a:p>
+        </p:txBody>
+      </p:sp>
+      <p:pic>
+        <p:nvPicPr>
+          <p:cNvPr id="12" name="Picture 11"/>
+          <p:cNvPicPr>
+            <a:picLocks noChangeAspect="1"/>
+          </p:cNvPicPr>
+          <p:nvPr/>
+        </p:nvPicPr>
+        <p:blipFill>
+          <a:blip r:embed="rId3"/>
+          <a:stretch>
+            <a:fillRect/>
+          </a:stretch>
+        </p:blipFill>
+        <p:spPr>
+          <a:xfrm>
+            <a:off x="5094036" y="2063749"/>
+            <a:ext cx="5201245" cy="1917701"/>
+          </a:xfrm>
+          <a:prstGeom prst="rect">
+            <a:avLst/>
+          </a:prstGeom>
+        </p:spPr>
+      </p:pic>
+      <p:sp>
+        <p:nvSpPr>
+          <p:cNvPr id="13" name="Rectangle 1"/>
+          <p:cNvSpPr>
+            <a:spLocks noChangeArrowheads="1"/>
+          </p:cNvSpPr>
+          <p:nvPr/>
+        </p:nvSpPr>
+        <p:spPr bwMode="auto">
+          <a:xfrm>
+            <a:off x="302508" y="1148578"/>
+            <a:ext cx="10347158" cy="400110"/>
+          </a:xfrm>
+          <a:prstGeom prst="rect">
+            <a:avLst/>
+          </a:prstGeom>
+          <a:noFill/>
+          <a:ln>
+            <a:noFill/>
+          </a:ln>
+          <a:effectLst/>
+          <a:extLst>
+            <a:ext uri="{909E8E84-426E-40DD-AFC4-6F175D3DCCD1}">
+              <a14:hiddenFill xmlns:a14="http://schemas.microsoft.com/office/drawing/2010/main">
+                <a:solidFill>
+                  <a:schemeClr val="accent1"/>
+                </a:solidFill>
+              </a14:hiddenFill>
+            </a:ext>
+            <a:ext uri="{91240B29-F687-4F45-9708-019B960494DF}">
+              <a14:hiddenLine xmlns:a14="http://schemas.microsoft.com/office/drawing/2010/main" w="9525">
+                <a:solidFill>
+                  <a:schemeClr val="tx1"/>
+                </a:solidFill>
+                <a:miter lim="800000"/>
+                <a:headEnd/>
+                <a:tailEnd/>
+              </a14:hiddenLine>
+            </a:ext>
+            <a:ext uri="{AF507438-7753-43E0-B8FC-AC1667EBCBE1}">
+              <a14:hiddenEffects xmlns:a14="http://schemas.microsoft.com/office/drawing/2010/main">
+                <a:effectLst>
+                  <a:outerShdw dist="35921" dir="2700000" algn="ctr" rotWithShape="0">
+                    <a:schemeClr val="bg2"/>
+                  </a:outerShdw>
+                </a:effectLst>
+              </a14:hiddenEffects>
+            </a:ext>
+          </a:extLst>
+        </p:spPr>
+        <p:txBody>
+          <a:bodyPr vert="horz" wrap="square" lIns="91440" tIns="45720" rIns="91440" bIns="45720" numCol="1" anchor="ctr" anchorCtr="0" compatLnSpc="1">
+            <a:prstTxWarp prst="textNoShape">
+              <a:avLst/>
+            </a:prstTxWarp>
             <a:spAutoFit/>
           </a:bodyPr>
           <a:lstStyle/>
           <a:p>
-            <a:r>
-              <a:rPr lang="fr-FR" sz="2000" dirty="0"/>
-              <a:t>Ajoutez également une colonne conditionnelle </a:t>
-            </a:r>
-            <a:r>
-              <a:rPr lang="fr-FR" sz="2000" b="1" dirty="0"/>
-              <a:t>Location ID</a:t>
-            </a:r>
-            <a:endParaRPr lang="en-US" sz="2000" b="1" dirty="0"/>
-          </a:p>
-        </p:txBody>
-      </p:sp>
+            <a:pPr marR="0" lvl="0" indent="14288" algn="l" defTabSz="914400" rtl="0" eaLnBrk="0" fontAlgn="base" latinLnBrk="0" hangingPunct="0">
+              <a:lnSpc>
+                <a:spcPct val="100000"/>
+              </a:lnSpc>
+              <a:spcBef>
+                <a:spcPct val="0"/>
+              </a:spcBef>
+              <a:spcAft>
+                <a:spcPct val="0"/>
+              </a:spcAft>
+              <a:buClrTx/>
+              <a:buSzTx/>
+              <a:buFont typeface="Arial" panose="020B0604020202020204" pitchFamily="34" charset="0"/>
+              <a:buChar char="•"/>
+              <a:tabLst/>
+            </a:pPr>
+            <a:r>
+              <a:rPr lang="fr-FR" altLang="en-US" sz="2000" dirty="0" smtClean="0">
+                <a:latin typeface="Arial" panose="020B0604020202020204" pitchFamily="34" charset="0"/>
+              </a:rPr>
+              <a:t>Renommez les deux colonnes à </a:t>
+            </a:r>
+            <a:r>
+              <a:rPr lang="fr-FR" altLang="en-US" sz="2000" b="1" dirty="0" err="1" smtClean="0">
+                <a:latin typeface="Arial" panose="020B0604020202020204" pitchFamily="34" charset="0"/>
+              </a:rPr>
+              <a:t>LocationId</a:t>
+            </a:r>
+            <a:r>
+              <a:rPr lang="fr-FR" altLang="en-US" sz="2000" dirty="0" smtClean="0">
+                <a:latin typeface="Arial" panose="020B0604020202020204" pitchFamily="34" charset="0"/>
+              </a:rPr>
+              <a:t> et </a:t>
+            </a:r>
+            <a:r>
+              <a:rPr lang="fr-FR" altLang="en-US" sz="2000" b="1" dirty="0" smtClean="0">
+                <a:latin typeface="Arial" panose="020B0604020202020204" pitchFamily="34" charset="0"/>
+              </a:rPr>
+              <a:t>Location Name</a:t>
+            </a:r>
+          </a:p>
+        </p:txBody>
+      </p:sp>
+      <p:cxnSp>
+        <p:nvCxnSpPr>
+          <p:cNvPr id="15" name="Straight Arrow Connector 14"/>
+          <p:cNvCxnSpPr/>
+          <p:nvPr/>
+        </p:nvCxnSpPr>
+        <p:spPr>
+          <a:xfrm>
+            <a:off x="5905500" y="1612900"/>
+            <a:ext cx="190500" cy="581024"/>
+          </a:xfrm>
+          <a:prstGeom prst="straightConnector1">
+            <a:avLst/>
+          </a:prstGeom>
+          <a:ln>
+            <a:solidFill>
+              <a:srgbClr val="FF0000"/>
+            </a:solidFill>
+            <a:tailEnd type="triangle"/>
+          </a:ln>
+        </p:spPr>
+        <p:style>
+          <a:lnRef idx="3">
+            <a:schemeClr val="accent2"/>
+          </a:lnRef>
+          <a:fillRef idx="0">
+            <a:schemeClr val="accent2"/>
+          </a:fillRef>
+          <a:effectRef idx="2">
+            <a:schemeClr val="accent2"/>
+          </a:effectRef>
+          <a:fontRef idx="minor">
+            <a:schemeClr val="tx1"/>
+          </a:fontRef>
+        </p:style>
+      </p:cxnSp>
+      <p:cxnSp>
+        <p:nvCxnSpPr>
+          <p:cNvPr id="16" name="Straight Arrow Connector 15"/>
+          <p:cNvCxnSpPr/>
+          <p:nvPr/>
+        </p:nvCxnSpPr>
+        <p:spPr>
+          <a:xfrm>
+            <a:off x="8337550" y="1599426"/>
+            <a:ext cx="190500" cy="581024"/>
+          </a:xfrm>
+          <a:prstGeom prst="straightConnector1">
+            <a:avLst/>
+          </a:prstGeom>
+          <a:ln>
+            <a:solidFill>
+              <a:srgbClr val="FF0000"/>
+            </a:solidFill>
+            <a:tailEnd type="triangle"/>
+          </a:ln>
+        </p:spPr>
+        <p:style>
+          <a:lnRef idx="3">
+            <a:schemeClr val="accent2"/>
+          </a:lnRef>
+          <a:fillRef idx="0">
+            <a:schemeClr val="accent2"/>
+          </a:fillRef>
+          <a:effectRef idx="2">
+            <a:schemeClr val="accent2"/>
+          </a:effectRef>
+          <a:fontRef idx="minor">
+            <a:schemeClr val="tx1"/>
+          </a:fontRef>
+        </p:style>
+      </p:cxnSp>
     </p:spTree>
     <p:extLst>
       <p:ext uri="{BB962C8B-B14F-4D97-AF65-F5344CB8AC3E}">
-        <p14:creationId xmlns:p14="http://schemas.microsoft.com/office/powerpoint/2010/main" val="582161566"/>
+        <p14:creationId xmlns:p14="http://schemas.microsoft.com/office/powerpoint/2010/main" val="436093588"/>
       </p:ext>
     </p:extLst>
   </p:cSld>
